--- a/JavaScript语言/树相关/ppt/树图形.pptx
+++ b/JavaScript语言/树相关/ppt/树图形.pptx
@@ -6,6 +6,7 @@
   </p:sldMasterIdLst>
   <p:sldIdLst>
     <p:sldId id="256" r:id="rId2"/>
+    <p:sldId id="257" r:id="rId3"/>
   </p:sldIdLst>
   <p:sldSz cx="12192000" cy="6858000"/>
   <p:notesSz cx="6858000" cy="9144000"/>
@@ -4197,6 +4198,1691 @@
 </p:sld>
 </file>
 
+<file path=ppt/slides/slide2.xml><?xml version="1.0" encoding="utf-8"?>
+<p:sld xmlns:a="http://schemas.openxmlformats.org/drawingml/2006/main" xmlns:r="http://schemas.openxmlformats.org/officeDocument/2006/relationships" xmlns:p="http://schemas.openxmlformats.org/presentationml/2006/main">
+  <p:cSld>
+    <p:spTree>
+      <p:nvGrpSpPr>
+        <p:cNvPr id="1" name=""/>
+        <p:cNvGrpSpPr/>
+        <p:nvPr/>
+      </p:nvGrpSpPr>
+      <p:grpSpPr>
+        <a:xfrm>
+          <a:off x="0" y="0"/>
+          <a:ext cx="0" cy="0"/>
+          <a:chOff x="0" y="0"/>
+          <a:chExt cx="0" cy="0"/>
+        </a:xfrm>
+      </p:grpSpPr>
+      <p:sp>
+        <p:nvSpPr>
+          <p:cNvPr id="5" name="椭圆 4">
+            <a:extLst>
+              <a:ext uri="{FF2B5EF4-FFF2-40B4-BE49-F238E27FC236}">
+                <a16:creationId xmlns:a16="http://schemas.microsoft.com/office/drawing/2014/main" id="{BC739FC5-7537-4E4F-AF06-ECDD15A0C309}"/>
+              </a:ext>
+            </a:extLst>
+          </p:cNvPr>
+          <p:cNvSpPr/>
+          <p:nvPr/>
+        </p:nvSpPr>
+        <p:spPr>
+          <a:xfrm>
+            <a:off x="2679355" y="1060399"/>
+            <a:ext cx="722812" cy="722812"/>
+          </a:xfrm>
+          <a:prstGeom prst="ellipse">
+            <a:avLst/>
+          </a:prstGeom>
+        </p:spPr>
+        <p:style>
+          <a:lnRef idx="2">
+            <a:schemeClr val="accent1">
+              <a:shade val="50000"/>
+            </a:schemeClr>
+          </a:lnRef>
+          <a:fillRef idx="1">
+            <a:schemeClr val="accent1"/>
+          </a:fillRef>
+          <a:effectRef idx="0">
+            <a:schemeClr val="accent1"/>
+          </a:effectRef>
+          <a:fontRef idx="minor">
+            <a:schemeClr val="lt1"/>
+          </a:fontRef>
+        </p:style>
+        <p:txBody>
+          <a:bodyPr rtlCol="0" anchor="ctr"/>
+          <a:lstStyle/>
+          <a:p>
+            <a:pPr algn="ctr"/>
+            <a:r>
+              <a:rPr lang="en-US" altLang="zh-CN" b="1" dirty="0"/>
+              <a:t>B</a:t>
+            </a:r>
+            <a:endParaRPr lang="zh-CN" altLang="en-US" b="1" dirty="0"/>
+          </a:p>
+        </p:txBody>
+      </p:sp>
+      <p:sp>
+        <p:nvSpPr>
+          <p:cNvPr id="7" name="椭圆 6">
+            <a:extLst>
+              <a:ext uri="{FF2B5EF4-FFF2-40B4-BE49-F238E27FC236}">
+                <a16:creationId xmlns:a16="http://schemas.microsoft.com/office/drawing/2014/main" id="{AEA913B0-5AF1-47F6-B99F-7CAF31098451}"/>
+              </a:ext>
+            </a:extLst>
+          </p:cNvPr>
+          <p:cNvSpPr/>
+          <p:nvPr/>
+        </p:nvSpPr>
+        <p:spPr>
+          <a:xfrm>
+            <a:off x="4911753" y="1421805"/>
+            <a:ext cx="722812" cy="722812"/>
+          </a:xfrm>
+          <a:prstGeom prst="ellipse">
+            <a:avLst/>
+          </a:prstGeom>
+        </p:spPr>
+        <p:style>
+          <a:lnRef idx="2">
+            <a:schemeClr val="accent1">
+              <a:shade val="50000"/>
+            </a:schemeClr>
+          </a:lnRef>
+          <a:fillRef idx="1">
+            <a:schemeClr val="accent1"/>
+          </a:fillRef>
+          <a:effectRef idx="0">
+            <a:schemeClr val="accent1"/>
+          </a:effectRef>
+          <a:fontRef idx="minor">
+            <a:schemeClr val="lt1"/>
+          </a:fontRef>
+        </p:style>
+        <p:txBody>
+          <a:bodyPr rtlCol="0" anchor="ctr"/>
+          <a:lstStyle/>
+          <a:p>
+            <a:pPr algn="ctr"/>
+            <a:r>
+              <a:rPr lang="en-US" altLang="zh-CN" dirty="0"/>
+              <a:t>D</a:t>
+            </a:r>
+            <a:endParaRPr lang="zh-CN" altLang="en-US" dirty="0"/>
+          </a:p>
+        </p:txBody>
+      </p:sp>
+      <p:sp>
+        <p:nvSpPr>
+          <p:cNvPr id="8" name="椭圆 7">
+            <a:extLst>
+              <a:ext uri="{FF2B5EF4-FFF2-40B4-BE49-F238E27FC236}">
+                <a16:creationId xmlns:a16="http://schemas.microsoft.com/office/drawing/2014/main" id="{21D34784-F502-431F-9C16-B3AFDAB35D27}"/>
+              </a:ext>
+            </a:extLst>
+          </p:cNvPr>
+          <p:cNvSpPr/>
+          <p:nvPr/>
+        </p:nvSpPr>
+        <p:spPr>
+          <a:xfrm>
+            <a:off x="5740418" y="4724191"/>
+            <a:ext cx="722812" cy="722812"/>
+          </a:xfrm>
+          <a:prstGeom prst="ellipse">
+            <a:avLst/>
+          </a:prstGeom>
+        </p:spPr>
+        <p:style>
+          <a:lnRef idx="2">
+            <a:schemeClr val="accent1">
+              <a:shade val="50000"/>
+            </a:schemeClr>
+          </a:lnRef>
+          <a:fillRef idx="1">
+            <a:schemeClr val="accent1"/>
+          </a:fillRef>
+          <a:effectRef idx="0">
+            <a:schemeClr val="accent1"/>
+          </a:effectRef>
+          <a:fontRef idx="minor">
+            <a:schemeClr val="lt1"/>
+          </a:fontRef>
+        </p:style>
+        <p:txBody>
+          <a:bodyPr rtlCol="0" anchor="ctr"/>
+          <a:lstStyle/>
+          <a:p>
+            <a:pPr algn="ctr"/>
+            <a:r>
+              <a:rPr lang="en-US" altLang="zh-CN" dirty="0"/>
+              <a:t>E</a:t>
+            </a:r>
+            <a:endParaRPr lang="zh-CN" altLang="en-US" dirty="0"/>
+          </a:p>
+        </p:txBody>
+      </p:sp>
+      <p:sp>
+        <p:nvSpPr>
+          <p:cNvPr id="9" name="椭圆 8">
+            <a:extLst>
+              <a:ext uri="{FF2B5EF4-FFF2-40B4-BE49-F238E27FC236}">
+                <a16:creationId xmlns:a16="http://schemas.microsoft.com/office/drawing/2014/main" id="{E2AE1198-C9E2-4EF7-A21F-856493699047}"/>
+              </a:ext>
+            </a:extLst>
+          </p:cNvPr>
+          <p:cNvSpPr/>
+          <p:nvPr/>
+        </p:nvSpPr>
+        <p:spPr>
+          <a:xfrm>
+            <a:off x="2785208" y="5054628"/>
+            <a:ext cx="722812" cy="722812"/>
+          </a:xfrm>
+          <a:prstGeom prst="ellipse">
+            <a:avLst/>
+          </a:prstGeom>
+        </p:spPr>
+        <p:style>
+          <a:lnRef idx="2">
+            <a:schemeClr val="accent1">
+              <a:shade val="50000"/>
+            </a:schemeClr>
+          </a:lnRef>
+          <a:fillRef idx="1">
+            <a:schemeClr val="accent1"/>
+          </a:fillRef>
+          <a:effectRef idx="0">
+            <a:schemeClr val="accent1"/>
+          </a:effectRef>
+          <a:fontRef idx="minor">
+            <a:schemeClr val="lt1"/>
+          </a:fontRef>
+        </p:style>
+        <p:txBody>
+          <a:bodyPr rtlCol="0" anchor="ctr"/>
+          <a:lstStyle/>
+          <a:p>
+            <a:pPr algn="ctr"/>
+            <a:r>
+              <a:rPr lang="en-US" altLang="zh-CN" dirty="0"/>
+              <a:t>C</a:t>
+            </a:r>
+            <a:endParaRPr lang="zh-CN" altLang="en-US" dirty="0"/>
+          </a:p>
+        </p:txBody>
+      </p:sp>
+      <p:sp>
+        <p:nvSpPr>
+          <p:cNvPr id="10" name="椭圆 9">
+            <a:extLst>
+              <a:ext uri="{FF2B5EF4-FFF2-40B4-BE49-F238E27FC236}">
+                <a16:creationId xmlns:a16="http://schemas.microsoft.com/office/drawing/2014/main" id="{0E5998B5-4E42-4460-ADD1-D2EB0EF47293}"/>
+              </a:ext>
+            </a:extLst>
+          </p:cNvPr>
+          <p:cNvSpPr/>
+          <p:nvPr/>
+        </p:nvSpPr>
+        <p:spPr>
+          <a:xfrm>
+            <a:off x="759715" y="2435528"/>
+            <a:ext cx="722812" cy="722812"/>
+          </a:xfrm>
+          <a:prstGeom prst="ellipse">
+            <a:avLst/>
+          </a:prstGeom>
+        </p:spPr>
+        <p:style>
+          <a:lnRef idx="2">
+            <a:schemeClr val="accent1">
+              <a:shade val="50000"/>
+            </a:schemeClr>
+          </a:lnRef>
+          <a:fillRef idx="1">
+            <a:schemeClr val="accent1"/>
+          </a:fillRef>
+          <a:effectRef idx="0">
+            <a:schemeClr val="accent1"/>
+          </a:effectRef>
+          <a:fontRef idx="minor">
+            <a:schemeClr val="lt1"/>
+          </a:fontRef>
+        </p:style>
+        <p:txBody>
+          <a:bodyPr rtlCol="0" anchor="ctr"/>
+          <a:lstStyle/>
+          <a:p>
+            <a:pPr algn="ctr"/>
+            <a:r>
+              <a:rPr lang="en-US" altLang="zh-CN" dirty="0"/>
+              <a:t>A</a:t>
+            </a:r>
+            <a:endParaRPr lang="zh-CN" altLang="en-US" dirty="0"/>
+          </a:p>
+        </p:txBody>
+      </p:sp>
+      <p:cxnSp>
+        <p:nvCxnSpPr>
+          <p:cNvPr id="12" name="直接连接符 11">
+            <a:extLst>
+              <a:ext uri="{FF2B5EF4-FFF2-40B4-BE49-F238E27FC236}">
+                <a16:creationId xmlns:a16="http://schemas.microsoft.com/office/drawing/2014/main" id="{9DAEBAB3-62B8-4C4F-AD31-581C8426A633}"/>
+              </a:ext>
+            </a:extLst>
+          </p:cNvPr>
+          <p:cNvCxnSpPr>
+            <a:cxnSpLocks/>
+            <a:stCxn id="5" idx="3"/>
+            <a:endCxn id="10" idx="7"/>
+          </p:cNvCxnSpPr>
+          <p:nvPr/>
+        </p:nvCxnSpPr>
+        <p:spPr>
+          <a:xfrm flipH="1">
+            <a:off x="1376674" y="1677358"/>
+            <a:ext cx="1408534" cy="864023"/>
+          </a:xfrm>
+          <a:prstGeom prst="line">
+            <a:avLst/>
+          </a:prstGeom>
+          <a:ln w="28575"/>
+        </p:spPr>
+        <p:style>
+          <a:lnRef idx="1">
+            <a:schemeClr val="accent1"/>
+          </a:lnRef>
+          <a:fillRef idx="0">
+            <a:schemeClr val="accent1"/>
+          </a:fillRef>
+          <a:effectRef idx="0">
+            <a:schemeClr val="accent1"/>
+          </a:effectRef>
+          <a:fontRef idx="minor">
+            <a:schemeClr val="tx1"/>
+          </a:fontRef>
+        </p:style>
+      </p:cxnSp>
+      <p:cxnSp>
+        <p:nvCxnSpPr>
+          <p:cNvPr id="14" name="直接连接符 13">
+            <a:extLst>
+              <a:ext uri="{FF2B5EF4-FFF2-40B4-BE49-F238E27FC236}">
+                <a16:creationId xmlns:a16="http://schemas.microsoft.com/office/drawing/2014/main" id="{1465CB55-F576-41F9-922E-F88D994260A5}"/>
+              </a:ext>
+            </a:extLst>
+          </p:cNvPr>
+          <p:cNvCxnSpPr>
+            <a:cxnSpLocks/>
+            <a:stCxn id="10" idx="4"/>
+            <a:endCxn id="9" idx="1"/>
+          </p:cNvCxnSpPr>
+          <p:nvPr/>
+        </p:nvCxnSpPr>
+        <p:spPr>
+          <a:xfrm>
+            <a:off x="1121121" y="3158340"/>
+            <a:ext cx="1769940" cy="2002141"/>
+          </a:xfrm>
+          <a:prstGeom prst="line">
+            <a:avLst/>
+          </a:prstGeom>
+          <a:ln w="28575"/>
+        </p:spPr>
+        <p:style>
+          <a:lnRef idx="1">
+            <a:schemeClr val="accent1"/>
+          </a:lnRef>
+          <a:fillRef idx="0">
+            <a:schemeClr val="accent1"/>
+          </a:fillRef>
+          <a:effectRef idx="0">
+            <a:schemeClr val="accent1"/>
+          </a:effectRef>
+          <a:fontRef idx="minor">
+            <a:schemeClr val="tx1"/>
+          </a:fontRef>
+        </p:style>
+      </p:cxnSp>
+      <p:cxnSp>
+        <p:nvCxnSpPr>
+          <p:cNvPr id="17" name="直接连接符 16">
+            <a:extLst>
+              <a:ext uri="{FF2B5EF4-FFF2-40B4-BE49-F238E27FC236}">
+                <a16:creationId xmlns:a16="http://schemas.microsoft.com/office/drawing/2014/main" id="{DAE90BD5-D8AE-428B-8AE2-B7A82011FDD6}"/>
+              </a:ext>
+            </a:extLst>
+          </p:cNvPr>
+          <p:cNvCxnSpPr>
+            <a:cxnSpLocks/>
+            <a:stCxn id="5" idx="4"/>
+            <a:endCxn id="9" idx="0"/>
+          </p:cNvCxnSpPr>
+          <p:nvPr/>
+        </p:nvCxnSpPr>
+        <p:spPr>
+          <a:xfrm>
+            <a:off x="3040761" y="1783211"/>
+            <a:ext cx="105853" cy="3271417"/>
+          </a:xfrm>
+          <a:prstGeom prst="line">
+            <a:avLst/>
+          </a:prstGeom>
+          <a:ln w="28575"/>
+        </p:spPr>
+        <p:style>
+          <a:lnRef idx="1">
+            <a:schemeClr val="accent1"/>
+          </a:lnRef>
+          <a:fillRef idx="0">
+            <a:schemeClr val="accent1"/>
+          </a:fillRef>
+          <a:effectRef idx="0">
+            <a:schemeClr val="accent1"/>
+          </a:effectRef>
+          <a:fontRef idx="minor">
+            <a:schemeClr val="tx1"/>
+          </a:fontRef>
+        </p:style>
+      </p:cxnSp>
+      <p:cxnSp>
+        <p:nvCxnSpPr>
+          <p:cNvPr id="23" name="直接连接符 22">
+            <a:extLst>
+              <a:ext uri="{FF2B5EF4-FFF2-40B4-BE49-F238E27FC236}">
+                <a16:creationId xmlns:a16="http://schemas.microsoft.com/office/drawing/2014/main" id="{5CED9F59-6E79-48AC-9F86-772D974ADA70}"/>
+              </a:ext>
+            </a:extLst>
+          </p:cNvPr>
+          <p:cNvCxnSpPr>
+            <a:cxnSpLocks/>
+            <a:stCxn id="8" idx="0"/>
+            <a:endCxn id="7" idx="4"/>
+          </p:cNvCxnSpPr>
+          <p:nvPr/>
+        </p:nvCxnSpPr>
+        <p:spPr>
+          <a:xfrm flipH="1" flipV="1">
+            <a:off x="5273159" y="2144617"/>
+            <a:ext cx="828665" cy="2579574"/>
+          </a:xfrm>
+          <a:prstGeom prst="line">
+            <a:avLst/>
+          </a:prstGeom>
+          <a:ln w="28575"/>
+        </p:spPr>
+        <p:style>
+          <a:lnRef idx="1">
+            <a:schemeClr val="accent1"/>
+          </a:lnRef>
+          <a:fillRef idx="0">
+            <a:schemeClr val="accent1"/>
+          </a:fillRef>
+          <a:effectRef idx="0">
+            <a:schemeClr val="accent1"/>
+          </a:effectRef>
+          <a:fontRef idx="minor">
+            <a:schemeClr val="tx1"/>
+          </a:fontRef>
+        </p:style>
+      </p:cxnSp>
+      <p:cxnSp>
+        <p:nvCxnSpPr>
+          <p:cNvPr id="26" name="直接连接符 25">
+            <a:extLst>
+              <a:ext uri="{FF2B5EF4-FFF2-40B4-BE49-F238E27FC236}">
+                <a16:creationId xmlns:a16="http://schemas.microsoft.com/office/drawing/2014/main" id="{B51AF569-9669-4E56-A639-3BB1255943E1}"/>
+              </a:ext>
+            </a:extLst>
+          </p:cNvPr>
+          <p:cNvCxnSpPr>
+            <a:cxnSpLocks/>
+            <a:stCxn id="7" idx="2"/>
+            <a:endCxn id="5" idx="6"/>
+          </p:cNvCxnSpPr>
+          <p:nvPr/>
+        </p:nvCxnSpPr>
+        <p:spPr>
+          <a:xfrm flipH="1" flipV="1">
+            <a:off x="3402167" y="1421805"/>
+            <a:ext cx="1509586" cy="361406"/>
+          </a:xfrm>
+          <a:prstGeom prst="line">
+            <a:avLst/>
+          </a:prstGeom>
+          <a:ln w="28575"/>
+        </p:spPr>
+        <p:style>
+          <a:lnRef idx="1">
+            <a:schemeClr val="accent1"/>
+          </a:lnRef>
+          <a:fillRef idx="0">
+            <a:schemeClr val="accent1"/>
+          </a:fillRef>
+          <a:effectRef idx="0">
+            <a:schemeClr val="accent1"/>
+          </a:effectRef>
+          <a:fontRef idx="minor">
+            <a:schemeClr val="tx1"/>
+          </a:fontRef>
+        </p:style>
+      </p:cxnSp>
+      <p:cxnSp>
+        <p:nvCxnSpPr>
+          <p:cNvPr id="40" name="直接连接符 39">
+            <a:extLst>
+              <a:ext uri="{FF2B5EF4-FFF2-40B4-BE49-F238E27FC236}">
+                <a16:creationId xmlns:a16="http://schemas.microsoft.com/office/drawing/2014/main" id="{CAEA66DB-7136-482A-82D9-A99CC39E28EE}"/>
+              </a:ext>
+            </a:extLst>
+          </p:cNvPr>
+          <p:cNvCxnSpPr>
+            <a:cxnSpLocks/>
+            <a:stCxn id="7" idx="3"/>
+            <a:endCxn id="9" idx="7"/>
+          </p:cNvCxnSpPr>
+          <p:nvPr/>
+        </p:nvCxnSpPr>
+        <p:spPr>
+          <a:xfrm flipH="1">
+            <a:off x="3402167" y="2038764"/>
+            <a:ext cx="1615439" cy="3121717"/>
+          </a:xfrm>
+          <a:prstGeom prst="line">
+            <a:avLst/>
+          </a:prstGeom>
+          <a:ln w="28575"/>
+        </p:spPr>
+        <p:style>
+          <a:lnRef idx="1">
+            <a:schemeClr val="accent1"/>
+          </a:lnRef>
+          <a:fillRef idx="0">
+            <a:schemeClr val="accent1"/>
+          </a:fillRef>
+          <a:effectRef idx="0">
+            <a:schemeClr val="accent1"/>
+          </a:effectRef>
+          <a:fontRef idx="minor">
+            <a:schemeClr val="tx1"/>
+          </a:fontRef>
+        </p:style>
+      </p:cxnSp>
+      <p:sp>
+        <p:nvSpPr>
+          <p:cNvPr id="61" name="文本框 60">
+            <a:extLst>
+              <a:ext uri="{FF2B5EF4-FFF2-40B4-BE49-F238E27FC236}">
+                <a16:creationId xmlns:a16="http://schemas.microsoft.com/office/drawing/2014/main" id="{26D0ECA8-345A-47D0-9809-3310BEDC104F}"/>
+              </a:ext>
+            </a:extLst>
+          </p:cNvPr>
+          <p:cNvSpPr txBox="1"/>
+          <p:nvPr/>
+        </p:nvSpPr>
+        <p:spPr>
+          <a:xfrm>
+            <a:off x="1797861" y="1795125"/>
+            <a:ext cx="416460" cy="369332"/>
+          </a:xfrm>
+          <a:prstGeom prst="rect">
+            <a:avLst/>
+          </a:prstGeom>
+          <a:noFill/>
+        </p:spPr>
+        <p:txBody>
+          <a:bodyPr wrap="square" rtlCol="0">
+            <a:spAutoFit/>
+          </a:bodyPr>
+          <a:lstStyle/>
+          <a:p>
+            <a:r>
+              <a:rPr lang="en-US" altLang="zh-CN" dirty="0"/>
+              <a:t>4</a:t>
+            </a:r>
+            <a:endParaRPr lang="zh-CN" altLang="en-US" dirty="0"/>
+          </a:p>
+        </p:txBody>
+      </p:sp>
+      <p:sp>
+        <p:nvSpPr>
+          <p:cNvPr id="62" name="文本框 61">
+            <a:extLst>
+              <a:ext uri="{FF2B5EF4-FFF2-40B4-BE49-F238E27FC236}">
+                <a16:creationId xmlns:a16="http://schemas.microsoft.com/office/drawing/2014/main" id="{AE49C16D-9C09-4906-9B65-109B7EE81842}"/>
+              </a:ext>
+            </a:extLst>
+          </p:cNvPr>
+          <p:cNvSpPr txBox="1"/>
+          <p:nvPr/>
+        </p:nvSpPr>
+        <p:spPr>
+          <a:xfrm>
+            <a:off x="1901489" y="3731844"/>
+            <a:ext cx="416460" cy="369332"/>
+          </a:xfrm>
+          <a:prstGeom prst="rect">
+            <a:avLst/>
+          </a:prstGeom>
+          <a:noFill/>
+        </p:spPr>
+        <p:txBody>
+          <a:bodyPr wrap="square" rtlCol="0">
+            <a:spAutoFit/>
+          </a:bodyPr>
+          <a:lstStyle/>
+          <a:p>
+            <a:r>
+              <a:rPr lang="en-US" altLang="zh-CN" dirty="0"/>
+              <a:t>7</a:t>
+            </a:r>
+            <a:endParaRPr lang="zh-CN" altLang="en-US" dirty="0"/>
+          </a:p>
+        </p:txBody>
+      </p:sp>
+      <p:sp>
+        <p:nvSpPr>
+          <p:cNvPr id="63" name="文本框 62">
+            <a:extLst>
+              <a:ext uri="{FF2B5EF4-FFF2-40B4-BE49-F238E27FC236}">
+                <a16:creationId xmlns:a16="http://schemas.microsoft.com/office/drawing/2014/main" id="{21DECCC7-FB53-4E51-AEDA-20D6446A7585}"/>
+              </a:ext>
+            </a:extLst>
+          </p:cNvPr>
+          <p:cNvSpPr txBox="1"/>
+          <p:nvPr/>
+        </p:nvSpPr>
+        <p:spPr>
+          <a:xfrm>
+            <a:off x="3080123" y="2973674"/>
+            <a:ext cx="416460" cy="369332"/>
+          </a:xfrm>
+          <a:prstGeom prst="rect">
+            <a:avLst/>
+          </a:prstGeom>
+          <a:noFill/>
+        </p:spPr>
+        <p:txBody>
+          <a:bodyPr wrap="square" rtlCol="0">
+            <a:spAutoFit/>
+          </a:bodyPr>
+          <a:lstStyle/>
+          <a:p>
+            <a:r>
+              <a:rPr lang="en-US" altLang="zh-CN" dirty="0"/>
+              <a:t>8</a:t>
+            </a:r>
+            <a:endParaRPr lang="zh-CN" altLang="en-US" dirty="0"/>
+          </a:p>
+        </p:txBody>
+      </p:sp>
+      <p:sp>
+        <p:nvSpPr>
+          <p:cNvPr id="64" name="文本框 63">
+            <a:extLst>
+              <a:ext uri="{FF2B5EF4-FFF2-40B4-BE49-F238E27FC236}">
+                <a16:creationId xmlns:a16="http://schemas.microsoft.com/office/drawing/2014/main" id="{05516E08-ADF9-469B-8F70-161F1DD8235D}"/>
+              </a:ext>
+            </a:extLst>
+          </p:cNvPr>
+          <p:cNvSpPr txBox="1"/>
+          <p:nvPr/>
+        </p:nvSpPr>
+        <p:spPr>
+          <a:xfrm>
+            <a:off x="4084487" y="1308026"/>
+            <a:ext cx="416460" cy="369332"/>
+          </a:xfrm>
+          <a:prstGeom prst="rect">
+            <a:avLst/>
+          </a:prstGeom>
+          <a:noFill/>
+        </p:spPr>
+        <p:txBody>
+          <a:bodyPr wrap="square" rtlCol="0">
+            <a:spAutoFit/>
+          </a:bodyPr>
+          <a:lstStyle/>
+          <a:p>
+            <a:r>
+              <a:rPr lang="en-US" altLang="zh-CN" dirty="0"/>
+              <a:t>6</a:t>
+            </a:r>
+            <a:endParaRPr lang="zh-CN" altLang="en-US" dirty="0"/>
+          </a:p>
+        </p:txBody>
+      </p:sp>
+      <p:sp>
+        <p:nvSpPr>
+          <p:cNvPr id="65" name="文本框 64">
+            <a:extLst>
+              <a:ext uri="{FF2B5EF4-FFF2-40B4-BE49-F238E27FC236}">
+                <a16:creationId xmlns:a16="http://schemas.microsoft.com/office/drawing/2014/main" id="{B6B1168A-05B4-40DC-BB2E-F81026CD555D}"/>
+              </a:ext>
+            </a:extLst>
+          </p:cNvPr>
+          <p:cNvSpPr txBox="1"/>
+          <p:nvPr/>
+        </p:nvSpPr>
+        <p:spPr>
+          <a:xfrm>
+            <a:off x="4209886" y="3361863"/>
+            <a:ext cx="416460" cy="369332"/>
+          </a:xfrm>
+          <a:prstGeom prst="rect">
+            <a:avLst/>
+          </a:prstGeom>
+          <a:noFill/>
+        </p:spPr>
+        <p:txBody>
+          <a:bodyPr wrap="square" rtlCol="0">
+            <a:spAutoFit/>
+          </a:bodyPr>
+          <a:lstStyle/>
+          <a:p>
+            <a:r>
+              <a:rPr lang="en-US" altLang="zh-CN" dirty="0"/>
+              <a:t>5</a:t>
+            </a:r>
+            <a:endParaRPr lang="zh-CN" altLang="en-US" dirty="0"/>
+          </a:p>
+        </p:txBody>
+      </p:sp>
+      <p:sp>
+        <p:nvSpPr>
+          <p:cNvPr id="66" name="文本框 65">
+            <a:extLst>
+              <a:ext uri="{FF2B5EF4-FFF2-40B4-BE49-F238E27FC236}">
+                <a16:creationId xmlns:a16="http://schemas.microsoft.com/office/drawing/2014/main" id="{1C26E765-B4A9-402A-B00E-F024438BBC2B}"/>
+              </a:ext>
+            </a:extLst>
+          </p:cNvPr>
+          <p:cNvSpPr txBox="1"/>
+          <p:nvPr/>
+        </p:nvSpPr>
+        <p:spPr>
+          <a:xfrm>
+            <a:off x="5687491" y="3230290"/>
+            <a:ext cx="416460" cy="369332"/>
+          </a:xfrm>
+          <a:prstGeom prst="rect">
+            <a:avLst/>
+          </a:prstGeom>
+          <a:noFill/>
+        </p:spPr>
+        <p:txBody>
+          <a:bodyPr wrap="square" rtlCol="0">
+            <a:spAutoFit/>
+          </a:bodyPr>
+          <a:lstStyle/>
+          <a:p>
+            <a:r>
+              <a:rPr lang="en-US" altLang="zh-CN" dirty="0"/>
+              <a:t>7</a:t>
+            </a:r>
+            <a:endParaRPr lang="zh-CN" altLang="en-US" dirty="0"/>
+          </a:p>
+        </p:txBody>
+      </p:sp>
+      <p:sp>
+        <p:nvSpPr>
+          <p:cNvPr id="68" name="文本框 67">
+            <a:extLst>
+              <a:ext uri="{FF2B5EF4-FFF2-40B4-BE49-F238E27FC236}">
+                <a16:creationId xmlns:a16="http://schemas.microsoft.com/office/drawing/2014/main" id="{F1B70C16-C4C9-4741-884A-87E433410459}"/>
+              </a:ext>
+            </a:extLst>
+          </p:cNvPr>
+          <p:cNvSpPr txBox="1"/>
+          <p:nvPr/>
+        </p:nvSpPr>
+        <p:spPr>
+          <a:xfrm>
+            <a:off x="6020939" y="410131"/>
+            <a:ext cx="4022593" cy="1754326"/>
+          </a:xfrm>
+          <a:prstGeom prst="rect">
+            <a:avLst/>
+          </a:prstGeom>
+          <a:noFill/>
+        </p:spPr>
+        <p:txBody>
+          <a:bodyPr wrap="square" rtlCol="0">
+            <a:spAutoFit/>
+          </a:bodyPr>
+          <a:lstStyle/>
+          <a:p>
+            <a:r>
+              <a:rPr lang="zh-CN" altLang="en-US" dirty="0"/>
+              <a:t>表示一个图</a:t>
+            </a:r>
+            <a:endParaRPr lang="en-US" altLang="zh-CN" dirty="0"/>
+          </a:p>
+          <a:p>
+            <a:r>
+              <a:rPr lang="zh-CN" altLang="en-US" dirty="0">
+                <a:effectLst/>
+              </a:rPr>
+              <a:t>可以用</a:t>
+            </a:r>
+            <a:r>
+              <a:rPr lang="zh-CN" altLang="en-US" dirty="0"/>
+              <a:t>点集合和边集合的集合生成一个二维数组来表示</a:t>
+            </a:r>
+          </a:p>
+          <a:p>
+            <a:endParaRPr lang="en-US" altLang="zh-CN" dirty="0">
+              <a:effectLst/>
+            </a:endParaRPr>
+          </a:p>
+          <a:p>
+            <a:endParaRPr lang="en-US" altLang="zh-CN" dirty="0"/>
+          </a:p>
+          <a:p>
+            <a:endParaRPr lang="zh-CN" altLang="en-US" dirty="0"/>
+          </a:p>
+        </p:txBody>
+      </p:sp>
+      <p:graphicFrame>
+        <p:nvGraphicFramePr>
+          <p:cNvPr id="3" name="表格 3">
+            <a:extLst>
+              <a:ext uri="{FF2B5EF4-FFF2-40B4-BE49-F238E27FC236}">
+                <a16:creationId xmlns:a16="http://schemas.microsoft.com/office/drawing/2014/main" id="{E2EF3690-6247-4BBA-A35E-4AD8FD8EAC27}"/>
+              </a:ext>
+            </a:extLst>
+          </p:cNvPr>
+          <p:cNvGraphicFramePr>
+            <a:graphicFrameLocks noGrp="1"/>
+          </p:cNvGraphicFramePr>
+          <p:nvPr>
+            <p:extLst>
+              <p:ext uri="{D42A27DB-BD31-4B8C-83A1-F6EECF244321}">
+                <p14:modId xmlns:p14="http://schemas.microsoft.com/office/powerpoint/2010/main" val="2727964303"/>
+              </p:ext>
+            </p:extLst>
+          </p:nvPr>
+        </p:nvGraphicFramePr>
+        <p:xfrm>
+          <a:off x="6676892" y="1421805"/>
+          <a:ext cx="5102274" cy="2952748"/>
+        </p:xfrm>
+        <a:graphic>
+          <a:graphicData uri="http://schemas.openxmlformats.org/drawingml/2006/table">
+            <a:tbl>
+              <a:tblPr firstRow="1" bandRow="1">
+                <a:tableStyleId>{5C22544A-7EE6-4342-B048-85BDC9FD1C3A}</a:tableStyleId>
+              </a:tblPr>
+              <a:tblGrid>
+                <a:gridCol w="850379">
+                  <a:extLst>
+                    <a:ext uri="{9D8B030D-6E8A-4147-A177-3AD203B41FA5}">
+                      <a16:colId xmlns:a16="http://schemas.microsoft.com/office/drawing/2014/main" val="1912778932"/>
+                    </a:ext>
+                  </a:extLst>
+                </a:gridCol>
+                <a:gridCol w="850379">
+                  <a:extLst>
+                    <a:ext uri="{9D8B030D-6E8A-4147-A177-3AD203B41FA5}">
+                      <a16:colId xmlns:a16="http://schemas.microsoft.com/office/drawing/2014/main" val="2504165932"/>
+                    </a:ext>
+                  </a:extLst>
+                </a:gridCol>
+                <a:gridCol w="850620">
+                  <a:extLst>
+                    <a:ext uri="{9D8B030D-6E8A-4147-A177-3AD203B41FA5}">
+                      <a16:colId xmlns:a16="http://schemas.microsoft.com/office/drawing/2014/main" val="3881004799"/>
+                    </a:ext>
+                  </a:extLst>
+                </a:gridCol>
+                <a:gridCol w="850138">
+                  <a:extLst>
+                    <a:ext uri="{9D8B030D-6E8A-4147-A177-3AD203B41FA5}">
+                      <a16:colId xmlns:a16="http://schemas.microsoft.com/office/drawing/2014/main" val="1925841363"/>
+                    </a:ext>
+                  </a:extLst>
+                </a:gridCol>
+                <a:gridCol w="850379">
+                  <a:extLst>
+                    <a:ext uri="{9D8B030D-6E8A-4147-A177-3AD203B41FA5}">
+                      <a16:colId xmlns:a16="http://schemas.microsoft.com/office/drawing/2014/main" val="3703981126"/>
+                    </a:ext>
+                  </a:extLst>
+                </a:gridCol>
+                <a:gridCol w="850379">
+                  <a:extLst>
+                    <a:ext uri="{9D8B030D-6E8A-4147-A177-3AD203B41FA5}">
+                      <a16:colId xmlns:a16="http://schemas.microsoft.com/office/drawing/2014/main" val="2396864263"/>
+                    </a:ext>
+                  </a:extLst>
+                </a:gridCol>
+              </a:tblGrid>
+              <a:tr h="486493">
+                <a:tc>
+                  <a:txBody>
+                    <a:bodyPr/>
+                    <a:lstStyle/>
+                    <a:p>
+                      <a:pPr algn="ctr"/>
+                      <a:endParaRPr lang="zh-CN" altLang="en-US" dirty="0"/>
+                    </a:p>
+                  </a:txBody>
+                  <a:tcPr anchor="ctr">
+                    <a:solidFill>
+                      <a:schemeClr val="bg1"/>
+                    </a:solidFill>
+                  </a:tcPr>
+                </a:tc>
+                <a:tc>
+                  <a:txBody>
+                    <a:bodyPr/>
+                    <a:lstStyle/>
+                    <a:p>
+                      <a:pPr algn="ctr"/>
+                      <a:r>
+                        <a:rPr lang="en-US" altLang="zh-CN" dirty="0"/>
+                        <a:t>A</a:t>
+                      </a:r>
+                      <a:endParaRPr lang="zh-CN" altLang="en-US" dirty="0"/>
+                    </a:p>
+                  </a:txBody>
+                  <a:tcPr anchor="ctr"/>
+                </a:tc>
+                <a:tc>
+                  <a:txBody>
+                    <a:bodyPr/>
+                    <a:lstStyle/>
+                    <a:p>
+                      <a:pPr algn="ctr"/>
+                      <a:r>
+                        <a:rPr lang="en-US" altLang="zh-CN" dirty="0"/>
+                        <a:t>B</a:t>
+                      </a:r>
+                      <a:endParaRPr lang="zh-CN" altLang="en-US" dirty="0"/>
+                    </a:p>
+                  </a:txBody>
+                  <a:tcPr anchor="ctr"/>
+                </a:tc>
+                <a:tc>
+                  <a:txBody>
+                    <a:bodyPr/>
+                    <a:lstStyle/>
+                    <a:p>
+                      <a:pPr algn="ctr"/>
+                      <a:r>
+                        <a:rPr lang="en-US" altLang="zh-CN" dirty="0"/>
+                        <a:t>C</a:t>
+                      </a:r>
+                      <a:endParaRPr lang="zh-CN" altLang="en-US" dirty="0"/>
+                    </a:p>
+                  </a:txBody>
+                  <a:tcPr anchor="ctr"/>
+                </a:tc>
+                <a:tc>
+                  <a:txBody>
+                    <a:bodyPr/>
+                    <a:lstStyle/>
+                    <a:p>
+                      <a:pPr algn="ctr"/>
+                      <a:r>
+                        <a:rPr lang="en-US" altLang="zh-CN" dirty="0"/>
+                        <a:t>D</a:t>
+                      </a:r>
+                      <a:endParaRPr lang="zh-CN" altLang="en-US" dirty="0"/>
+                    </a:p>
+                  </a:txBody>
+                  <a:tcPr anchor="ctr"/>
+                </a:tc>
+                <a:tc>
+                  <a:txBody>
+                    <a:bodyPr/>
+                    <a:lstStyle/>
+                    <a:p>
+                      <a:pPr algn="ctr"/>
+                      <a:r>
+                        <a:rPr lang="en-US" altLang="zh-CN" dirty="0"/>
+                        <a:t>E</a:t>
+                      </a:r>
+                      <a:endParaRPr lang="zh-CN" altLang="en-US" dirty="0"/>
+                    </a:p>
+                  </a:txBody>
+                  <a:tcPr anchor="ctr"/>
+                </a:tc>
+                <a:extLst>
+                  <a:ext uri="{0D108BD9-81ED-4DB2-BD59-A6C34878D82A}">
+                    <a16:rowId xmlns:a16="http://schemas.microsoft.com/office/drawing/2014/main" val="2906655390"/>
+                  </a:ext>
+                </a:extLst>
+              </a:tr>
+              <a:tr h="493251">
+                <a:tc>
+                  <a:txBody>
+                    <a:bodyPr/>
+                    <a:lstStyle/>
+                    <a:p>
+                      <a:pPr algn="ctr"/>
+                      <a:r>
+                        <a:rPr lang="en-US" altLang="zh-CN" dirty="0"/>
+                        <a:t>A</a:t>
+                      </a:r>
+                      <a:endParaRPr lang="zh-CN" altLang="en-US" dirty="0"/>
+                    </a:p>
+                  </a:txBody>
+                  <a:tcPr anchor="ctr">
+                    <a:solidFill>
+                      <a:schemeClr val="accent5">
+                        <a:lumMod val="60000"/>
+                        <a:lumOff val="40000"/>
+                      </a:schemeClr>
+                    </a:solidFill>
+                  </a:tcPr>
+                </a:tc>
+                <a:tc>
+                  <a:txBody>
+                    <a:bodyPr/>
+                    <a:lstStyle/>
+                    <a:p>
+                      <a:pPr algn="ctr"/>
+                      <a:r>
+                        <a:rPr lang="en-US" altLang="zh-CN" dirty="0"/>
+                        <a:t>0</a:t>
+                      </a:r>
+                      <a:endParaRPr lang="zh-CN" altLang="en-US" dirty="0"/>
+                    </a:p>
+                  </a:txBody>
+                  <a:tcPr anchor="ctr"/>
+                </a:tc>
+                <a:tc>
+                  <a:txBody>
+                    <a:bodyPr/>
+                    <a:lstStyle/>
+                    <a:p>
+                      <a:pPr algn="ctr"/>
+                      <a:r>
+                        <a:rPr lang="en-US" altLang="zh-CN" dirty="0"/>
+                        <a:t>4</a:t>
+                      </a:r>
+                      <a:endParaRPr lang="zh-CN" altLang="en-US" dirty="0"/>
+                    </a:p>
+                  </a:txBody>
+                  <a:tcPr anchor="ctr"/>
+                </a:tc>
+                <a:tc>
+                  <a:txBody>
+                    <a:bodyPr/>
+                    <a:lstStyle/>
+                    <a:p>
+                      <a:pPr algn="ctr"/>
+                      <a:r>
+                        <a:rPr lang="en-US" altLang="zh-CN" dirty="0"/>
+                        <a:t>7</a:t>
+                      </a:r>
+                      <a:endParaRPr lang="zh-CN" altLang="en-US" dirty="0"/>
+                    </a:p>
+                  </a:txBody>
+                  <a:tcPr anchor="ctr"/>
+                </a:tc>
+                <a:tc>
+                  <a:txBody>
+                    <a:bodyPr/>
+                    <a:lstStyle/>
+                    <a:p>
+                      <a:pPr algn="ctr"/>
+                      <a:r>
+                        <a:rPr lang="en-US" altLang="zh-CN" dirty="0"/>
+                        <a:t>max</a:t>
+                      </a:r>
+                      <a:endParaRPr lang="zh-CN" altLang="en-US" dirty="0"/>
+                    </a:p>
+                  </a:txBody>
+                  <a:tcPr anchor="ctr"/>
+                </a:tc>
+                <a:tc>
+                  <a:txBody>
+                    <a:bodyPr/>
+                    <a:lstStyle/>
+                    <a:p>
+                      <a:pPr marL="0" marR="0" lvl="0" indent="0" algn="ctr" defTabSz="914400" rtl="0" eaLnBrk="1" fontAlgn="auto" latinLnBrk="0" hangingPunct="1">
+                        <a:lnSpc>
+                          <a:spcPct val="100000"/>
+                        </a:lnSpc>
+                        <a:spcBef>
+                          <a:spcPts val="0"/>
+                        </a:spcBef>
+                        <a:spcAft>
+                          <a:spcPts val="0"/>
+                        </a:spcAft>
+                        <a:buClrTx/>
+                        <a:buSzTx/>
+                        <a:buFontTx/>
+                        <a:buNone/>
+                        <a:tabLst/>
+                        <a:defRPr/>
+                      </a:pPr>
+                      <a:r>
+                        <a:rPr lang="en-US" altLang="zh-CN" dirty="0"/>
+                        <a:t>max</a:t>
+                      </a:r>
+                      <a:endParaRPr lang="zh-CN" altLang="en-US" dirty="0"/>
+                    </a:p>
+                  </a:txBody>
+                  <a:tcPr anchor="ctr"/>
+                </a:tc>
+                <a:extLst>
+                  <a:ext uri="{0D108BD9-81ED-4DB2-BD59-A6C34878D82A}">
+                    <a16:rowId xmlns:a16="http://schemas.microsoft.com/office/drawing/2014/main" val="2071065327"/>
+                  </a:ext>
+                </a:extLst>
+              </a:tr>
+              <a:tr h="493251">
+                <a:tc>
+                  <a:txBody>
+                    <a:bodyPr/>
+                    <a:lstStyle/>
+                    <a:p>
+                      <a:pPr algn="ctr"/>
+                      <a:r>
+                        <a:rPr lang="en-US" altLang="zh-CN" dirty="0"/>
+                        <a:t>B</a:t>
+                      </a:r>
+                      <a:endParaRPr lang="zh-CN" altLang="en-US" dirty="0"/>
+                    </a:p>
+                  </a:txBody>
+                  <a:tcPr anchor="ctr">
+                    <a:solidFill>
+                      <a:schemeClr val="accent5">
+                        <a:lumMod val="60000"/>
+                        <a:lumOff val="40000"/>
+                      </a:schemeClr>
+                    </a:solidFill>
+                  </a:tcPr>
+                </a:tc>
+                <a:tc>
+                  <a:txBody>
+                    <a:bodyPr/>
+                    <a:lstStyle/>
+                    <a:p>
+                      <a:pPr algn="ctr"/>
+                      <a:r>
+                        <a:rPr lang="en-US" altLang="zh-CN" dirty="0"/>
+                        <a:t>4</a:t>
+                      </a:r>
+                      <a:endParaRPr lang="zh-CN" altLang="en-US" dirty="0"/>
+                    </a:p>
+                  </a:txBody>
+                  <a:tcPr anchor="ctr"/>
+                </a:tc>
+                <a:tc>
+                  <a:txBody>
+                    <a:bodyPr/>
+                    <a:lstStyle/>
+                    <a:p>
+                      <a:pPr algn="ctr"/>
+                      <a:r>
+                        <a:rPr lang="en-US" altLang="zh-CN" dirty="0"/>
+                        <a:t>0</a:t>
+                      </a:r>
+                      <a:endParaRPr lang="zh-CN" altLang="en-US" dirty="0"/>
+                    </a:p>
+                  </a:txBody>
+                  <a:tcPr anchor="ctr"/>
+                </a:tc>
+                <a:tc>
+                  <a:txBody>
+                    <a:bodyPr/>
+                    <a:lstStyle/>
+                    <a:p>
+                      <a:pPr algn="ctr"/>
+                      <a:r>
+                        <a:rPr lang="en-US" altLang="zh-CN" dirty="0"/>
+                        <a:t>8</a:t>
+                      </a:r>
+                      <a:endParaRPr lang="zh-CN" altLang="en-US" dirty="0"/>
+                    </a:p>
+                  </a:txBody>
+                  <a:tcPr anchor="ctr"/>
+                </a:tc>
+                <a:tc>
+                  <a:txBody>
+                    <a:bodyPr/>
+                    <a:lstStyle/>
+                    <a:p>
+                      <a:pPr algn="ctr"/>
+                      <a:r>
+                        <a:rPr lang="en-US" altLang="zh-CN" dirty="0"/>
+                        <a:t>6</a:t>
+                      </a:r>
+                      <a:endParaRPr lang="zh-CN" altLang="en-US" dirty="0"/>
+                    </a:p>
+                  </a:txBody>
+                  <a:tcPr anchor="ctr"/>
+                </a:tc>
+                <a:tc>
+                  <a:txBody>
+                    <a:bodyPr/>
+                    <a:lstStyle/>
+                    <a:p>
+                      <a:pPr marL="0" marR="0" lvl="0" indent="0" algn="ctr" defTabSz="914400" rtl="0" eaLnBrk="1" fontAlgn="auto" latinLnBrk="0" hangingPunct="1">
+                        <a:lnSpc>
+                          <a:spcPct val="100000"/>
+                        </a:lnSpc>
+                        <a:spcBef>
+                          <a:spcPts val="0"/>
+                        </a:spcBef>
+                        <a:spcAft>
+                          <a:spcPts val="0"/>
+                        </a:spcAft>
+                        <a:buClrTx/>
+                        <a:buSzTx/>
+                        <a:buFontTx/>
+                        <a:buNone/>
+                        <a:tabLst/>
+                        <a:defRPr/>
+                      </a:pPr>
+                      <a:r>
+                        <a:rPr lang="en-US" altLang="zh-CN" dirty="0"/>
+                        <a:t>max</a:t>
+                      </a:r>
+                      <a:endParaRPr lang="zh-CN" altLang="en-US" dirty="0"/>
+                    </a:p>
+                  </a:txBody>
+                  <a:tcPr anchor="ctr"/>
+                </a:tc>
+                <a:extLst>
+                  <a:ext uri="{0D108BD9-81ED-4DB2-BD59-A6C34878D82A}">
+                    <a16:rowId xmlns:a16="http://schemas.microsoft.com/office/drawing/2014/main" val="1079518103"/>
+                  </a:ext>
+                </a:extLst>
+              </a:tr>
+              <a:tr h="493251">
+                <a:tc>
+                  <a:txBody>
+                    <a:bodyPr/>
+                    <a:lstStyle/>
+                    <a:p>
+                      <a:pPr algn="ctr"/>
+                      <a:r>
+                        <a:rPr lang="en-US" altLang="zh-CN" dirty="0"/>
+                        <a:t>C</a:t>
+                      </a:r>
+                      <a:endParaRPr lang="zh-CN" altLang="en-US" dirty="0"/>
+                    </a:p>
+                  </a:txBody>
+                  <a:tcPr anchor="ctr">
+                    <a:solidFill>
+                      <a:schemeClr val="accent5">
+                        <a:lumMod val="60000"/>
+                        <a:lumOff val="40000"/>
+                      </a:schemeClr>
+                    </a:solidFill>
+                  </a:tcPr>
+                </a:tc>
+                <a:tc>
+                  <a:txBody>
+                    <a:bodyPr/>
+                    <a:lstStyle/>
+                    <a:p>
+                      <a:pPr algn="ctr"/>
+                      <a:r>
+                        <a:rPr lang="en-US" altLang="zh-CN" dirty="0"/>
+                        <a:t>7</a:t>
+                      </a:r>
+                      <a:endParaRPr lang="zh-CN" altLang="en-US" dirty="0"/>
+                    </a:p>
+                  </a:txBody>
+                  <a:tcPr anchor="ctr"/>
+                </a:tc>
+                <a:tc>
+                  <a:txBody>
+                    <a:bodyPr/>
+                    <a:lstStyle/>
+                    <a:p>
+                      <a:pPr algn="ctr"/>
+                      <a:r>
+                        <a:rPr lang="en-US" altLang="zh-CN" dirty="0"/>
+                        <a:t>8</a:t>
+                      </a:r>
+                      <a:endParaRPr lang="zh-CN" altLang="en-US" dirty="0"/>
+                    </a:p>
+                  </a:txBody>
+                  <a:tcPr anchor="ctr"/>
+                </a:tc>
+                <a:tc>
+                  <a:txBody>
+                    <a:bodyPr/>
+                    <a:lstStyle/>
+                    <a:p>
+                      <a:pPr algn="ctr"/>
+                      <a:r>
+                        <a:rPr lang="en-US" altLang="zh-CN" dirty="0"/>
+                        <a:t>0</a:t>
+                      </a:r>
+                      <a:endParaRPr lang="zh-CN" altLang="en-US" dirty="0"/>
+                    </a:p>
+                  </a:txBody>
+                  <a:tcPr anchor="ctr"/>
+                </a:tc>
+                <a:tc>
+                  <a:txBody>
+                    <a:bodyPr/>
+                    <a:lstStyle/>
+                    <a:p>
+                      <a:pPr algn="ctr"/>
+                      <a:r>
+                        <a:rPr lang="en-US" altLang="zh-CN" dirty="0"/>
+                        <a:t>5</a:t>
+                      </a:r>
+                      <a:endParaRPr lang="zh-CN" altLang="en-US" dirty="0"/>
+                    </a:p>
+                  </a:txBody>
+                  <a:tcPr anchor="ctr"/>
+                </a:tc>
+                <a:tc>
+                  <a:txBody>
+                    <a:bodyPr/>
+                    <a:lstStyle/>
+                    <a:p>
+                      <a:pPr marL="0" marR="0" lvl="0" indent="0" algn="ctr" defTabSz="914400" rtl="0" eaLnBrk="1" fontAlgn="auto" latinLnBrk="0" hangingPunct="1">
+                        <a:lnSpc>
+                          <a:spcPct val="100000"/>
+                        </a:lnSpc>
+                        <a:spcBef>
+                          <a:spcPts val="0"/>
+                        </a:spcBef>
+                        <a:spcAft>
+                          <a:spcPts val="0"/>
+                        </a:spcAft>
+                        <a:buClrTx/>
+                        <a:buSzTx/>
+                        <a:buFontTx/>
+                        <a:buNone/>
+                        <a:tabLst/>
+                        <a:defRPr/>
+                      </a:pPr>
+                      <a:r>
+                        <a:rPr lang="en-US" altLang="zh-CN" dirty="0"/>
+                        <a:t>max</a:t>
+                      </a:r>
+                      <a:endParaRPr lang="zh-CN" altLang="en-US" dirty="0"/>
+                    </a:p>
+                  </a:txBody>
+                  <a:tcPr anchor="ctr"/>
+                </a:tc>
+                <a:extLst>
+                  <a:ext uri="{0D108BD9-81ED-4DB2-BD59-A6C34878D82A}">
+                    <a16:rowId xmlns:a16="http://schemas.microsoft.com/office/drawing/2014/main" val="2037385749"/>
+                  </a:ext>
+                </a:extLst>
+              </a:tr>
+              <a:tr h="493251">
+                <a:tc>
+                  <a:txBody>
+                    <a:bodyPr/>
+                    <a:lstStyle/>
+                    <a:p>
+                      <a:pPr algn="ctr"/>
+                      <a:r>
+                        <a:rPr lang="en-US" altLang="zh-CN" dirty="0"/>
+                        <a:t>D</a:t>
+                      </a:r>
+                      <a:endParaRPr lang="zh-CN" altLang="en-US" dirty="0"/>
+                    </a:p>
+                  </a:txBody>
+                  <a:tcPr anchor="ctr">
+                    <a:solidFill>
+                      <a:schemeClr val="accent5">
+                        <a:lumMod val="60000"/>
+                        <a:lumOff val="40000"/>
+                      </a:schemeClr>
+                    </a:solidFill>
+                  </a:tcPr>
+                </a:tc>
+                <a:tc>
+                  <a:txBody>
+                    <a:bodyPr/>
+                    <a:lstStyle/>
+                    <a:p>
+                      <a:pPr marL="0" marR="0" lvl="0" indent="0" algn="ctr" defTabSz="914400" rtl="0" eaLnBrk="1" fontAlgn="auto" latinLnBrk="0" hangingPunct="1">
+                        <a:lnSpc>
+                          <a:spcPct val="100000"/>
+                        </a:lnSpc>
+                        <a:spcBef>
+                          <a:spcPts val="0"/>
+                        </a:spcBef>
+                        <a:spcAft>
+                          <a:spcPts val="0"/>
+                        </a:spcAft>
+                        <a:buClrTx/>
+                        <a:buSzTx/>
+                        <a:buFontTx/>
+                        <a:buNone/>
+                        <a:tabLst/>
+                        <a:defRPr/>
+                      </a:pPr>
+                      <a:r>
+                        <a:rPr lang="en-US" altLang="zh-CN" dirty="0"/>
+                        <a:t>max</a:t>
+                      </a:r>
+                      <a:endParaRPr lang="zh-CN" altLang="en-US" dirty="0"/>
+                    </a:p>
+                  </a:txBody>
+                  <a:tcPr anchor="ctr"/>
+                </a:tc>
+                <a:tc>
+                  <a:txBody>
+                    <a:bodyPr/>
+                    <a:lstStyle/>
+                    <a:p>
+                      <a:pPr algn="ctr"/>
+                      <a:r>
+                        <a:rPr lang="en-US" altLang="zh-CN" dirty="0"/>
+                        <a:t>6</a:t>
+                      </a:r>
+                      <a:endParaRPr lang="zh-CN" altLang="en-US" dirty="0"/>
+                    </a:p>
+                  </a:txBody>
+                  <a:tcPr anchor="ctr"/>
+                </a:tc>
+                <a:tc>
+                  <a:txBody>
+                    <a:bodyPr/>
+                    <a:lstStyle/>
+                    <a:p>
+                      <a:pPr algn="ctr"/>
+                      <a:r>
+                        <a:rPr lang="en-US" altLang="zh-CN" dirty="0"/>
+                        <a:t>5</a:t>
+                      </a:r>
+                      <a:endParaRPr lang="zh-CN" altLang="en-US" dirty="0"/>
+                    </a:p>
+                  </a:txBody>
+                  <a:tcPr anchor="ctr"/>
+                </a:tc>
+                <a:tc>
+                  <a:txBody>
+                    <a:bodyPr/>
+                    <a:lstStyle/>
+                    <a:p>
+                      <a:pPr algn="ctr"/>
+                      <a:r>
+                        <a:rPr lang="en-US" altLang="zh-CN" dirty="0"/>
+                        <a:t>0</a:t>
+                      </a:r>
+                      <a:endParaRPr lang="zh-CN" altLang="en-US" dirty="0"/>
+                    </a:p>
+                  </a:txBody>
+                  <a:tcPr anchor="ctr"/>
+                </a:tc>
+                <a:tc>
+                  <a:txBody>
+                    <a:bodyPr/>
+                    <a:lstStyle/>
+                    <a:p>
+                      <a:pPr algn="ctr"/>
+                      <a:r>
+                        <a:rPr lang="en-US" altLang="zh-CN" dirty="0"/>
+                        <a:t>7</a:t>
+                      </a:r>
+                      <a:endParaRPr lang="zh-CN" altLang="en-US" dirty="0"/>
+                    </a:p>
+                  </a:txBody>
+                  <a:tcPr anchor="ctr"/>
+                </a:tc>
+                <a:extLst>
+                  <a:ext uri="{0D108BD9-81ED-4DB2-BD59-A6C34878D82A}">
+                    <a16:rowId xmlns:a16="http://schemas.microsoft.com/office/drawing/2014/main" val="1592940201"/>
+                  </a:ext>
+                </a:extLst>
+              </a:tr>
+              <a:tr h="493251">
+                <a:tc>
+                  <a:txBody>
+                    <a:bodyPr/>
+                    <a:lstStyle/>
+                    <a:p>
+                      <a:pPr algn="ctr"/>
+                      <a:r>
+                        <a:rPr lang="en-US" altLang="zh-CN" dirty="0"/>
+                        <a:t>E</a:t>
+                      </a:r>
+                      <a:endParaRPr lang="zh-CN" altLang="en-US" dirty="0"/>
+                    </a:p>
+                  </a:txBody>
+                  <a:tcPr anchor="ctr">
+                    <a:solidFill>
+                      <a:schemeClr val="accent5">
+                        <a:lumMod val="60000"/>
+                        <a:lumOff val="40000"/>
+                      </a:schemeClr>
+                    </a:solidFill>
+                  </a:tcPr>
+                </a:tc>
+                <a:tc>
+                  <a:txBody>
+                    <a:bodyPr/>
+                    <a:lstStyle/>
+                    <a:p>
+                      <a:pPr marL="0" marR="0" lvl="0" indent="0" algn="ctr" defTabSz="914400" rtl="0" eaLnBrk="1" fontAlgn="auto" latinLnBrk="0" hangingPunct="1">
+                        <a:lnSpc>
+                          <a:spcPct val="100000"/>
+                        </a:lnSpc>
+                        <a:spcBef>
+                          <a:spcPts val="0"/>
+                        </a:spcBef>
+                        <a:spcAft>
+                          <a:spcPts val="0"/>
+                        </a:spcAft>
+                        <a:buClrTx/>
+                        <a:buSzTx/>
+                        <a:buFontTx/>
+                        <a:buNone/>
+                        <a:tabLst/>
+                        <a:defRPr/>
+                      </a:pPr>
+                      <a:r>
+                        <a:rPr lang="en-US" altLang="zh-CN" dirty="0"/>
+                        <a:t>max</a:t>
+                      </a:r>
+                      <a:endParaRPr lang="zh-CN" altLang="en-US" dirty="0"/>
+                    </a:p>
+                  </a:txBody>
+                  <a:tcPr anchor="ctr"/>
+                </a:tc>
+                <a:tc>
+                  <a:txBody>
+                    <a:bodyPr/>
+                    <a:lstStyle/>
+                    <a:p>
+                      <a:pPr marL="0" marR="0" lvl="0" indent="0" algn="ctr" defTabSz="914400" rtl="0" eaLnBrk="1" fontAlgn="auto" latinLnBrk="0" hangingPunct="1">
+                        <a:lnSpc>
+                          <a:spcPct val="100000"/>
+                        </a:lnSpc>
+                        <a:spcBef>
+                          <a:spcPts val="0"/>
+                        </a:spcBef>
+                        <a:spcAft>
+                          <a:spcPts val="0"/>
+                        </a:spcAft>
+                        <a:buClrTx/>
+                        <a:buSzTx/>
+                        <a:buFontTx/>
+                        <a:buNone/>
+                        <a:tabLst/>
+                        <a:defRPr/>
+                      </a:pPr>
+                      <a:r>
+                        <a:rPr lang="en-US" altLang="zh-CN" dirty="0"/>
+                        <a:t>max</a:t>
+                      </a:r>
+                      <a:endParaRPr lang="zh-CN" altLang="en-US" dirty="0"/>
+                    </a:p>
+                  </a:txBody>
+                  <a:tcPr anchor="ctr"/>
+                </a:tc>
+                <a:tc>
+                  <a:txBody>
+                    <a:bodyPr/>
+                    <a:lstStyle/>
+                    <a:p>
+                      <a:pPr marL="0" marR="0" lvl="0" indent="0" algn="ctr" defTabSz="914400" rtl="0" eaLnBrk="1" fontAlgn="auto" latinLnBrk="0" hangingPunct="1">
+                        <a:lnSpc>
+                          <a:spcPct val="100000"/>
+                        </a:lnSpc>
+                        <a:spcBef>
+                          <a:spcPts val="0"/>
+                        </a:spcBef>
+                        <a:spcAft>
+                          <a:spcPts val="0"/>
+                        </a:spcAft>
+                        <a:buClrTx/>
+                        <a:buSzTx/>
+                        <a:buFontTx/>
+                        <a:buNone/>
+                        <a:tabLst/>
+                        <a:defRPr/>
+                      </a:pPr>
+                      <a:r>
+                        <a:rPr lang="en-US" altLang="zh-CN" dirty="0"/>
+                        <a:t>max</a:t>
+                      </a:r>
+                      <a:endParaRPr lang="zh-CN" altLang="en-US" dirty="0"/>
+                    </a:p>
+                  </a:txBody>
+                  <a:tcPr anchor="ctr"/>
+                </a:tc>
+                <a:tc>
+                  <a:txBody>
+                    <a:bodyPr/>
+                    <a:lstStyle/>
+                    <a:p>
+                      <a:pPr algn="ctr"/>
+                      <a:r>
+                        <a:rPr lang="en-US" altLang="zh-CN" dirty="0"/>
+                        <a:t>7</a:t>
+                      </a:r>
+                      <a:endParaRPr lang="zh-CN" altLang="en-US" dirty="0"/>
+                    </a:p>
+                  </a:txBody>
+                  <a:tcPr anchor="ctr"/>
+                </a:tc>
+                <a:tc>
+                  <a:txBody>
+                    <a:bodyPr/>
+                    <a:lstStyle/>
+                    <a:p>
+                      <a:pPr algn="ctr"/>
+                      <a:r>
+                        <a:rPr lang="en-US" altLang="zh-CN" dirty="0"/>
+                        <a:t>0</a:t>
+                      </a:r>
+                      <a:endParaRPr lang="zh-CN" altLang="en-US" dirty="0"/>
+                    </a:p>
+                  </a:txBody>
+                  <a:tcPr anchor="ctr"/>
+                </a:tc>
+                <a:extLst>
+                  <a:ext uri="{0D108BD9-81ED-4DB2-BD59-A6C34878D82A}">
+                    <a16:rowId xmlns:a16="http://schemas.microsoft.com/office/drawing/2014/main" val="2501340386"/>
+                  </a:ext>
+                </a:extLst>
+              </a:tr>
+            </a:tbl>
+          </a:graphicData>
+        </a:graphic>
+      </p:graphicFrame>
+      <p:sp>
+        <p:nvSpPr>
+          <p:cNvPr id="24" name="文本框 23">
+            <a:extLst>
+              <a:ext uri="{FF2B5EF4-FFF2-40B4-BE49-F238E27FC236}">
+                <a16:creationId xmlns:a16="http://schemas.microsoft.com/office/drawing/2014/main" id="{EAC76769-6606-42E4-B545-9A26554260E5}"/>
+              </a:ext>
+            </a:extLst>
+          </p:cNvPr>
+          <p:cNvSpPr txBox="1"/>
+          <p:nvPr/>
+        </p:nvSpPr>
+        <p:spPr>
+          <a:xfrm>
+            <a:off x="6883400" y="4431340"/>
+            <a:ext cx="6097508" cy="2031325"/>
+          </a:xfrm>
+          <a:prstGeom prst="rect">
+            <a:avLst/>
+          </a:prstGeom>
+          <a:noFill/>
+        </p:spPr>
+        <p:txBody>
+          <a:bodyPr wrap="square">
+            <a:spAutoFit/>
+          </a:bodyPr>
+          <a:lstStyle/>
+          <a:p>
+            <a:r>
+              <a:rPr lang="en-US" altLang="zh-CN" dirty="0"/>
+              <a:t>[</a:t>
+            </a:r>
+          </a:p>
+          <a:p>
+            <a:r>
+              <a:rPr lang="en-US" altLang="zh-CN" dirty="0"/>
+              <a:t>   </a:t>
+            </a:r>
+            <a:r>
+              <a:rPr lang="zh-CN" altLang="en-US" dirty="0"/>
+              <a:t>[0, 4, 7, max, max],</a:t>
+            </a:r>
+          </a:p>
+          <a:p>
+            <a:r>
+              <a:rPr lang="zh-CN" altLang="en-US" dirty="0"/>
+              <a:t>   [4, 0, 8, 6, max],</a:t>
+            </a:r>
+          </a:p>
+          <a:p>
+            <a:r>
+              <a:rPr lang="zh-CN" altLang="en-US" dirty="0"/>
+              <a:t>   [7, 8, 0, 5, max],</a:t>
+            </a:r>
+          </a:p>
+          <a:p>
+            <a:r>
+              <a:rPr lang="zh-CN" altLang="en-US" dirty="0"/>
+              <a:t>   [max, 6, 5, 0, 7],</a:t>
+            </a:r>
+          </a:p>
+          <a:p>
+            <a:r>
+              <a:rPr lang="zh-CN" altLang="en-US" dirty="0"/>
+              <a:t>   [max, max, max, 7, 0]</a:t>
+            </a:r>
+            <a:endParaRPr lang="en-US" altLang="zh-CN" dirty="0"/>
+          </a:p>
+          <a:p>
+            <a:r>
+              <a:rPr lang="en-US" altLang="zh-CN" dirty="0"/>
+              <a:t>]</a:t>
+            </a:r>
+            <a:endParaRPr lang="zh-CN" altLang="en-US" dirty="0"/>
+          </a:p>
+        </p:txBody>
+      </p:sp>
+    </p:spTree>
+    <p:extLst>
+      <p:ext uri="{BB962C8B-B14F-4D97-AF65-F5344CB8AC3E}">
+        <p14:creationId xmlns:p14="http://schemas.microsoft.com/office/powerpoint/2010/main" val="1225006762"/>
+      </p:ext>
+    </p:extLst>
+  </p:cSld>
+  <p:clrMapOvr>
+    <a:masterClrMapping/>
+  </p:clrMapOvr>
+</p:sld>
+</file>
+
 <file path=ppt/theme/theme1.xml><?xml version="1.0" encoding="utf-8"?>
 <a:theme xmlns:a="http://schemas.openxmlformats.org/drawingml/2006/main" name="Office 主题​​">
   <a:themeElements>

--- a/JavaScript语言/树相关/ppt/树图形.pptx
+++ b/JavaScript语言/树相关/ppt/树图形.pptx
@@ -260,7 +260,7 @@
           <a:p>
             <a:fld id="{2C6B8C16-DC2C-4054-986C-3B7F238C339C}" type="datetimeFigureOut">
               <a:rPr lang="zh-CN" altLang="en-US" smtClean="0"/>
-              <a:t>2022/3/3</a:t>
+              <a:t>2022/3/14</a:t>
             </a:fld>
             <a:endParaRPr lang="zh-CN" altLang="en-US"/>
           </a:p>
@@ -458,7 +458,7 @@
           <a:p>
             <a:fld id="{2C6B8C16-DC2C-4054-986C-3B7F238C339C}" type="datetimeFigureOut">
               <a:rPr lang="zh-CN" altLang="en-US" smtClean="0"/>
-              <a:t>2022/3/3</a:t>
+              <a:t>2022/3/14</a:t>
             </a:fld>
             <a:endParaRPr lang="zh-CN" altLang="en-US"/>
           </a:p>
@@ -666,7 +666,7 @@
           <a:p>
             <a:fld id="{2C6B8C16-DC2C-4054-986C-3B7F238C339C}" type="datetimeFigureOut">
               <a:rPr lang="zh-CN" altLang="en-US" smtClean="0"/>
-              <a:t>2022/3/3</a:t>
+              <a:t>2022/3/14</a:t>
             </a:fld>
             <a:endParaRPr lang="zh-CN" altLang="en-US"/>
           </a:p>
@@ -864,7 +864,7 @@
           <a:p>
             <a:fld id="{2C6B8C16-DC2C-4054-986C-3B7F238C339C}" type="datetimeFigureOut">
               <a:rPr lang="zh-CN" altLang="en-US" smtClean="0"/>
-              <a:t>2022/3/3</a:t>
+              <a:t>2022/3/14</a:t>
             </a:fld>
             <a:endParaRPr lang="zh-CN" altLang="en-US"/>
           </a:p>
@@ -1139,7 +1139,7 @@
           <a:p>
             <a:fld id="{2C6B8C16-DC2C-4054-986C-3B7F238C339C}" type="datetimeFigureOut">
               <a:rPr lang="zh-CN" altLang="en-US" smtClean="0"/>
-              <a:t>2022/3/3</a:t>
+              <a:t>2022/3/14</a:t>
             </a:fld>
             <a:endParaRPr lang="zh-CN" altLang="en-US"/>
           </a:p>
@@ -1404,7 +1404,7 @@
           <a:p>
             <a:fld id="{2C6B8C16-DC2C-4054-986C-3B7F238C339C}" type="datetimeFigureOut">
               <a:rPr lang="zh-CN" altLang="en-US" smtClean="0"/>
-              <a:t>2022/3/3</a:t>
+              <a:t>2022/3/14</a:t>
             </a:fld>
             <a:endParaRPr lang="zh-CN" altLang="en-US"/>
           </a:p>
@@ -1816,7 +1816,7 @@
           <a:p>
             <a:fld id="{2C6B8C16-DC2C-4054-986C-3B7F238C339C}" type="datetimeFigureOut">
               <a:rPr lang="zh-CN" altLang="en-US" smtClean="0"/>
-              <a:t>2022/3/3</a:t>
+              <a:t>2022/3/14</a:t>
             </a:fld>
             <a:endParaRPr lang="zh-CN" altLang="en-US"/>
           </a:p>
@@ -1957,7 +1957,7 @@
           <a:p>
             <a:fld id="{2C6B8C16-DC2C-4054-986C-3B7F238C339C}" type="datetimeFigureOut">
               <a:rPr lang="zh-CN" altLang="en-US" smtClean="0"/>
-              <a:t>2022/3/3</a:t>
+              <a:t>2022/3/14</a:t>
             </a:fld>
             <a:endParaRPr lang="zh-CN" altLang="en-US"/>
           </a:p>
@@ -2070,7 +2070,7 @@
           <a:p>
             <a:fld id="{2C6B8C16-DC2C-4054-986C-3B7F238C339C}" type="datetimeFigureOut">
               <a:rPr lang="zh-CN" altLang="en-US" smtClean="0"/>
-              <a:t>2022/3/3</a:t>
+              <a:t>2022/3/14</a:t>
             </a:fld>
             <a:endParaRPr lang="zh-CN" altLang="en-US"/>
           </a:p>
@@ -2381,7 +2381,7 @@
           <a:p>
             <a:fld id="{2C6B8C16-DC2C-4054-986C-3B7F238C339C}" type="datetimeFigureOut">
               <a:rPr lang="zh-CN" altLang="en-US" smtClean="0"/>
-              <a:t>2022/3/3</a:t>
+              <a:t>2022/3/14</a:t>
             </a:fld>
             <a:endParaRPr lang="zh-CN" altLang="en-US"/>
           </a:p>
@@ -2669,7 +2669,7 @@
           <a:p>
             <a:fld id="{2C6B8C16-DC2C-4054-986C-3B7F238C339C}" type="datetimeFigureOut">
               <a:rPr lang="zh-CN" altLang="en-US" smtClean="0"/>
-              <a:t>2022/3/3</a:t>
+              <a:t>2022/3/14</a:t>
             </a:fld>
             <a:endParaRPr lang="zh-CN" altLang="en-US"/>
           </a:p>
@@ -2910,7 +2910,7 @@
           <a:p>
             <a:fld id="{2C6B8C16-DC2C-4054-986C-3B7F238C339C}" type="datetimeFigureOut">
               <a:rPr lang="zh-CN" altLang="en-US" smtClean="0"/>
-              <a:t>2022/3/3</a:t>
+              <a:t>2022/3/14</a:t>
             </a:fld>
             <a:endParaRPr lang="zh-CN" altLang="en-US"/>
           </a:p>

--- a/JavaScript语言/树相关/ppt/树图形.pptx
+++ b/JavaScript语言/树相关/ppt/树图形.pptx
@@ -7,6 +7,9 @@
   <p:sldIdLst>
     <p:sldId id="256" r:id="rId2"/>
     <p:sldId id="257" r:id="rId3"/>
+    <p:sldId id="258" r:id="rId4"/>
+    <p:sldId id="259" r:id="rId5"/>
+    <p:sldId id="260" r:id="rId6"/>
   </p:sldIdLst>
   <p:sldSz cx="12192000" cy="6858000"/>
   <p:notesSz cx="6858000" cy="9144000"/>
@@ -260,7 +263,7 @@
           <a:p>
             <a:fld id="{2C6B8C16-DC2C-4054-986C-3B7F238C339C}" type="datetimeFigureOut">
               <a:rPr lang="zh-CN" altLang="en-US" smtClean="0"/>
-              <a:t>2022/3/14</a:t>
+              <a:t>2022/3/15</a:t>
             </a:fld>
             <a:endParaRPr lang="zh-CN" altLang="en-US"/>
           </a:p>
@@ -458,7 +461,7 @@
           <a:p>
             <a:fld id="{2C6B8C16-DC2C-4054-986C-3B7F238C339C}" type="datetimeFigureOut">
               <a:rPr lang="zh-CN" altLang="en-US" smtClean="0"/>
-              <a:t>2022/3/14</a:t>
+              <a:t>2022/3/15</a:t>
             </a:fld>
             <a:endParaRPr lang="zh-CN" altLang="en-US"/>
           </a:p>
@@ -666,7 +669,7 @@
           <a:p>
             <a:fld id="{2C6B8C16-DC2C-4054-986C-3B7F238C339C}" type="datetimeFigureOut">
               <a:rPr lang="zh-CN" altLang="en-US" smtClean="0"/>
-              <a:t>2022/3/14</a:t>
+              <a:t>2022/3/15</a:t>
             </a:fld>
             <a:endParaRPr lang="zh-CN" altLang="en-US"/>
           </a:p>
@@ -864,7 +867,7 @@
           <a:p>
             <a:fld id="{2C6B8C16-DC2C-4054-986C-3B7F238C339C}" type="datetimeFigureOut">
               <a:rPr lang="zh-CN" altLang="en-US" smtClean="0"/>
-              <a:t>2022/3/14</a:t>
+              <a:t>2022/3/15</a:t>
             </a:fld>
             <a:endParaRPr lang="zh-CN" altLang="en-US"/>
           </a:p>
@@ -1139,7 +1142,7 @@
           <a:p>
             <a:fld id="{2C6B8C16-DC2C-4054-986C-3B7F238C339C}" type="datetimeFigureOut">
               <a:rPr lang="zh-CN" altLang="en-US" smtClean="0"/>
-              <a:t>2022/3/14</a:t>
+              <a:t>2022/3/15</a:t>
             </a:fld>
             <a:endParaRPr lang="zh-CN" altLang="en-US"/>
           </a:p>
@@ -1404,7 +1407,7 @@
           <a:p>
             <a:fld id="{2C6B8C16-DC2C-4054-986C-3B7F238C339C}" type="datetimeFigureOut">
               <a:rPr lang="zh-CN" altLang="en-US" smtClean="0"/>
-              <a:t>2022/3/14</a:t>
+              <a:t>2022/3/15</a:t>
             </a:fld>
             <a:endParaRPr lang="zh-CN" altLang="en-US"/>
           </a:p>
@@ -1816,7 +1819,7 @@
           <a:p>
             <a:fld id="{2C6B8C16-DC2C-4054-986C-3B7F238C339C}" type="datetimeFigureOut">
               <a:rPr lang="zh-CN" altLang="en-US" smtClean="0"/>
-              <a:t>2022/3/14</a:t>
+              <a:t>2022/3/15</a:t>
             </a:fld>
             <a:endParaRPr lang="zh-CN" altLang="en-US"/>
           </a:p>
@@ -1957,7 +1960,7 @@
           <a:p>
             <a:fld id="{2C6B8C16-DC2C-4054-986C-3B7F238C339C}" type="datetimeFigureOut">
               <a:rPr lang="zh-CN" altLang="en-US" smtClean="0"/>
-              <a:t>2022/3/14</a:t>
+              <a:t>2022/3/15</a:t>
             </a:fld>
             <a:endParaRPr lang="zh-CN" altLang="en-US"/>
           </a:p>
@@ -2070,7 +2073,7 @@
           <a:p>
             <a:fld id="{2C6B8C16-DC2C-4054-986C-3B7F238C339C}" type="datetimeFigureOut">
               <a:rPr lang="zh-CN" altLang="en-US" smtClean="0"/>
-              <a:t>2022/3/14</a:t>
+              <a:t>2022/3/15</a:t>
             </a:fld>
             <a:endParaRPr lang="zh-CN" altLang="en-US"/>
           </a:p>
@@ -2381,7 +2384,7 @@
           <a:p>
             <a:fld id="{2C6B8C16-DC2C-4054-986C-3B7F238C339C}" type="datetimeFigureOut">
               <a:rPr lang="zh-CN" altLang="en-US" smtClean="0"/>
-              <a:t>2022/3/14</a:t>
+              <a:t>2022/3/15</a:t>
             </a:fld>
             <a:endParaRPr lang="zh-CN" altLang="en-US"/>
           </a:p>
@@ -2669,7 +2672,7 @@
           <a:p>
             <a:fld id="{2C6B8C16-DC2C-4054-986C-3B7F238C339C}" type="datetimeFigureOut">
               <a:rPr lang="zh-CN" altLang="en-US" smtClean="0"/>
-              <a:t>2022/3/14</a:t>
+              <a:t>2022/3/15</a:t>
             </a:fld>
             <a:endParaRPr lang="zh-CN" altLang="en-US"/>
           </a:p>
@@ -2910,7 +2913,7 @@
           <a:p>
             <a:fld id="{2C6B8C16-DC2C-4054-986C-3B7F238C339C}" type="datetimeFigureOut">
               <a:rPr lang="zh-CN" altLang="en-US" smtClean="0"/>
-              <a:t>2022/3/14</a:t>
+              <a:t>2022/3/15</a:t>
             </a:fld>
             <a:endParaRPr lang="zh-CN" altLang="en-US"/>
           </a:p>
@@ -5883,6 +5886,1857 @@
 </p:sld>
 </file>
 
+<file path=ppt/slides/slide3.xml><?xml version="1.0" encoding="utf-8"?>
+<p:sld xmlns:a="http://schemas.openxmlformats.org/drawingml/2006/main" xmlns:r="http://schemas.openxmlformats.org/officeDocument/2006/relationships" xmlns:p="http://schemas.openxmlformats.org/presentationml/2006/main">
+  <p:cSld>
+    <p:spTree>
+      <p:nvGrpSpPr>
+        <p:cNvPr id="1" name=""/>
+        <p:cNvGrpSpPr/>
+        <p:nvPr/>
+      </p:nvGrpSpPr>
+      <p:grpSpPr>
+        <a:xfrm>
+          <a:off x="0" y="0"/>
+          <a:ext cx="0" cy="0"/>
+          <a:chOff x="0" y="0"/>
+          <a:chExt cx="0" cy="0"/>
+        </a:xfrm>
+      </p:grpSpPr>
+      <p:sp>
+        <p:nvSpPr>
+          <p:cNvPr id="5" name="椭圆 4">
+            <a:extLst>
+              <a:ext uri="{FF2B5EF4-FFF2-40B4-BE49-F238E27FC236}">
+                <a16:creationId xmlns:a16="http://schemas.microsoft.com/office/drawing/2014/main" id="{BC739FC5-7537-4E4F-AF06-ECDD15A0C309}"/>
+              </a:ext>
+            </a:extLst>
+          </p:cNvPr>
+          <p:cNvSpPr/>
+          <p:nvPr/>
+        </p:nvSpPr>
+        <p:spPr>
+          <a:xfrm>
+            <a:off x="6870376" y="2465336"/>
+            <a:ext cx="722812" cy="722812"/>
+          </a:xfrm>
+          <a:prstGeom prst="ellipse">
+            <a:avLst/>
+          </a:prstGeom>
+        </p:spPr>
+        <p:style>
+          <a:lnRef idx="2">
+            <a:schemeClr val="accent1">
+              <a:shade val="50000"/>
+            </a:schemeClr>
+          </a:lnRef>
+          <a:fillRef idx="1">
+            <a:schemeClr val="accent1"/>
+          </a:fillRef>
+          <a:effectRef idx="0">
+            <a:schemeClr val="accent1"/>
+          </a:effectRef>
+          <a:fontRef idx="minor">
+            <a:schemeClr val="lt1"/>
+          </a:fontRef>
+        </p:style>
+        <p:txBody>
+          <a:bodyPr rtlCol="0" anchor="ctr"/>
+          <a:lstStyle/>
+          <a:p>
+            <a:pPr algn="ctr"/>
+            <a:r>
+              <a:rPr lang="en-US" altLang="zh-CN" b="1" dirty="0"/>
+              <a:t>B</a:t>
+            </a:r>
+            <a:endParaRPr lang="zh-CN" altLang="en-US" b="1" dirty="0"/>
+          </a:p>
+        </p:txBody>
+      </p:sp>
+      <p:sp>
+        <p:nvSpPr>
+          <p:cNvPr id="7" name="椭圆 6">
+            <a:extLst>
+              <a:ext uri="{FF2B5EF4-FFF2-40B4-BE49-F238E27FC236}">
+                <a16:creationId xmlns:a16="http://schemas.microsoft.com/office/drawing/2014/main" id="{AEA913B0-5AF1-47F6-B99F-7CAF31098451}"/>
+              </a:ext>
+            </a:extLst>
+          </p:cNvPr>
+          <p:cNvSpPr/>
+          <p:nvPr/>
+        </p:nvSpPr>
+        <p:spPr>
+          <a:xfrm>
+            <a:off x="6147564" y="3748615"/>
+            <a:ext cx="722812" cy="722812"/>
+          </a:xfrm>
+          <a:prstGeom prst="ellipse">
+            <a:avLst/>
+          </a:prstGeom>
+        </p:spPr>
+        <p:style>
+          <a:lnRef idx="2">
+            <a:schemeClr val="accent1">
+              <a:shade val="50000"/>
+            </a:schemeClr>
+          </a:lnRef>
+          <a:fillRef idx="1">
+            <a:schemeClr val="accent1"/>
+          </a:fillRef>
+          <a:effectRef idx="0">
+            <a:schemeClr val="accent1"/>
+          </a:effectRef>
+          <a:fontRef idx="minor">
+            <a:schemeClr val="lt1"/>
+          </a:fontRef>
+        </p:style>
+        <p:txBody>
+          <a:bodyPr rtlCol="0" anchor="ctr"/>
+          <a:lstStyle/>
+          <a:p>
+            <a:pPr algn="ctr"/>
+            <a:r>
+              <a:rPr lang="en-US" altLang="zh-CN" dirty="0"/>
+              <a:t>D</a:t>
+            </a:r>
+            <a:endParaRPr lang="zh-CN" altLang="en-US" dirty="0"/>
+          </a:p>
+        </p:txBody>
+      </p:sp>
+      <p:sp>
+        <p:nvSpPr>
+          <p:cNvPr id="8" name="椭圆 7">
+            <a:extLst>
+              <a:ext uri="{FF2B5EF4-FFF2-40B4-BE49-F238E27FC236}">
+                <a16:creationId xmlns:a16="http://schemas.microsoft.com/office/drawing/2014/main" id="{21D34784-F502-431F-9C16-B3AFDAB35D27}"/>
+              </a:ext>
+            </a:extLst>
+          </p:cNvPr>
+          <p:cNvSpPr/>
+          <p:nvPr/>
+        </p:nvSpPr>
+        <p:spPr>
+          <a:xfrm>
+            <a:off x="7668806" y="3748615"/>
+            <a:ext cx="722812" cy="722812"/>
+          </a:xfrm>
+          <a:prstGeom prst="ellipse">
+            <a:avLst/>
+          </a:prstGeom>
+        </p:spPr>
+        <p:style>
+          <a:lnRef idx="2">
+            <a:schemeClr val="accent1">
+              <a:shade val="50000"/>
+            </a:schemeClr>
+          </a:lnRef>
+          <a:fillRef idx="1">
+            <a:schemeClr val="accent1"/>
+          </a:fillRef>
+          <a:effectRef idx="0">
+            <a:schemeClr val="accent1"/>
+          </a:effectRef>
+          <a:fontRef idx="minor">
+            <a:schemeClr val="lt1"/>
+          </a:fontRef>
+        </p:style>
+        <p:txBody>
+          <a:bodyPr rtlCol="0" anchor="ctr"/>
+          <a:lstStyle/>
+          <a:p>
+            <a:pPr algn="ctr"/>
+            <a:r>
+              <a:rPr lang="en-US" altLang="zh-CN" dirty="0"/>
+              <a:t>E</a:t>
+            </a:r>
+            <a:endParaRPr lang="zh-CN" altLang="en-US" dirty="0"/>
+          </a:p>
+        </p:txBody>
+      </p:sp>
+      <p:sp>
+        <p:nvSpPr>
+          <p:cNvPr id="9" name="椭圆 8">
+            <a:extLst>
+              <a:ext uri="{FF2B5EF4-FFF2-40B4-BE49-F238E27FC236}">
+                <a16:creationId xmlns:a16="http://schemas.microsoft.com/office/drawing/2014/main" id="{E2AE1198-C9E2-4EF7-A21F-856493699047}"/>
+              </a:ext>
+            </a:extLst>
+          </p:cNvPr>
+          <p:cNvSpPr/>
+          <p:nvPr/>
+        </p:nvSpPr>
+        <p:spPr>
+          <a:xfrm>
+            <a:off x="3621648" y="2465336"/>
+            <a:ext cx="722812" cy="722812"/>
+          </a:xfrm>
+          <a:prstGeom prst="ellipse">
+            <a:avLst/>
+          </a:prstGeom>
+        </p:spPr>
+        <p:style>
+          <a:lnRef idx="2">
+            <a:schemeClr val="accent1">
+              <a:shade val="50000"/>
+            </a:schemeClr>
+          </a:lnRef>
+          <a:fillRef idx="1">
+            <a:schemeClr val="accent1"/>
+          </a:fillRef>
+          <a:effectRef idx="0">
+            <a:schemeClr val="accent1"/>
+          </a:effectRef>
+          <a:fontRef idx="minor">
+            <a:schemeClr val="lt1"/>
+          </a:fontRef>
+        </p:style>
+        <p:txBody>
+          <a:bodyPr rtlCol="0" anchor="ctr"/>
+          <a:lstStyle/>
+          <a:p>
+            <a:pPr algn="ctr"/>
+            <a:r>
+              <a:rPr lang="en-US" altLang="zh-CN" dirty="0"/>
+              <a:t>C</a:t>
+            </a:r>
+            <a:endParaRPr lang="zh-CN" altLang="en-US" dirty="0"/>
+          </a:p>
+        </p:txBody>
+      </p:sp>
+      <p:sp>
+        <p:nvSpPr>
+          <p:cNvPr id="10" name="椭圆 9">
+            <a:extLst>
+              <a:ext uri="{FF2B5EF4-FFF2-40B4-BE49-F238E27FC236}">
+                <a16:creationId xmlns:a16="http://schemas.microsoft.com/office/drawing/2014/main" id="{0E5998B5-4E42-4460-ADD1-D2EB0EF47293}"/>
+              </a:ext>
+            </a:extLst>
+          </p:cNvPr>
+          <p:cNvSpPr/>
+          <p:nvPr/>
+        </p:nvSpPr>
+        <p:spPr>
+          <a:xfrm>
+            <a:off x="5186432" y="986198"/>
+            <a:ext cx="722812" cy="722812"/>
+          </a:xfrm>
+          <a:prstGeom prst="ellipse">
+            <a:avLst/>
+          </a:prstGeom>
+        </p:spPr>
+        <p:style>
+          <a:lnRef idx="2">
+            <a:schemeClr val="accent1">
+              <a:shade val="50000"/>
+            </a:schemeClr>
+          </a:lnRef>
+          <a:fillRef idx="1">
+            <a:schemeClr val="accent1"/>
+          </a:fillRef>
+          <a:effectRef idx="0">
+            <a:schemeClr val="accent1"/>
+          </a:effectRef>
+          <a:fontRef idx="minor">
+            <a:schemeClr val="lt1"/>
+          </a:fontRef>
+        </p:style>
+        <p:txBody>
+          <a:bodyPr rtlCol="0" anchor="ctr"/>
+          <a:lstStyle/>
+          <a:p>
+            <a:pPr algn="ctr"/>
+            <a:r>
+              <a:rPr lang="en-US" altLang="zh-CN" dirty="0"/>
+              <a:t>A</a:t>
+            </a:r>
+            <a:endParaRPr lang="zh-CN" altLang="en-US" dirty="0"/>
+          </a:p>
+        </p:txBody>
+      </p:sp>
+      <p:sp>
+        <p:nvSpPr>
+          <p:cNvPr id="21" name="椭圆 20">
+            <a:extLst>
+              <a:ext uri="{FF2B5EF4-FFF2-40B4-BE49-F238E27FC236}">
+                <a16:creationId xmlns:a16="http://schemas.microsoft.com/office/drawing/2014/main" id="{23234D8E-5909-4E7A-8923-569F613143E1}"/>
+              </a:ext>
+            </a:extLst>
+          </p:cNvPr>
+          <p:cNvSpPr/>
+          <p:nvPr/>
+        </p:nvSpPr>
+        <p:spPr>
+          <a:xfrm>
+            <a:off x="5186432" y="2465336"/>
+            <a:ext cx="722812" cy="722812"/>
+          </a:xfrm>
+          <a:prstGeom prst="ellipse">
+            <a:avLst/>
+          </a:prstGeom>
+        </p:spPr>
+        <p:style>
+          <a:lnRef idx="2">
+            <a:schemeClr val="accent1">
+              <a:shade val="50000"/>
+            </a:schemeClr>
+          </a:lnRef>
+          <a:fillRef idx="1">
+            <a:schemeClr val="accent1"/>
+          </a:fillRef>
+          <a:effectRef idx="0">
+            <a:schemeClr val="accent1"/>
+          </a:effectRef>
+          <a:fontRef idx="minor">
+            <a:schemeClr val="lt1"/>
+          </a:fontRef>
+        </p:style>
+        <p:txBody>
+          <a:bodyPr rtlCol="0" anchor="ctr"/>
+          <a:lstStyle/>
+          <a:p>
+            <a:pPr algn="ctr"/>
+            <a:r>
+              <a:rPr lang="en-US" altLang="zh-CN" b="1" dirty="0"/>
+              <a:t>F</a:t>
+            </a:r>
+            <a:endParaRPr lang="zh-CN" altLang="en-US" b="1" dirty="0"/>
+          </a:p>
+        </p:txBody>
+      </p:sp>
+      <p:cxnSp>
+        <p:nvCxnSpPr>
+          <p:cNvPr id="3" name="直接连接符 2">
+            <a:extLst>
+              <a:ext uri="{FF2B5EF4-FFF2-40B4-BE49-F238E27FC236}">
+                <a16:creationId xmlns:a16="http://schemas.microsoft.com/office/drawing/2014/main" id="{AFCA41F1-821D-4190-9680-FF9BB2539581}"/>
+              </a:ext>
+            </a:extLst>
+          </p:cNvPr>
+          <p:cNvCxnSpPr>
+            <a:cxnSpLocks/>
+            <a:stCxn id="10" idx="3"/>
+            <a:endCxn id="9" idx="7"/>
+          </p:cNvCxnSpPr>
+          <p:nvPr/>
+        </p:nvCxnSpPr>
+        <p:spPr>
+          <a:xfrm flipH="1">
+            <a:off x="4238607" y="1603157"/>
+            <a:ext cx="1053678" cy="968032"/>
+          </a:xfrm>
+          <a:prstGeom prst="line">
+            <a:avLst/>
+          </a:prstGeom>
+          <a:ln w="38100"/>
+        </p:spPr>
+        <p:style>
+          <a:lnRef idx="1">
+            <a:schemeClr val="accent1"/>
+          </a:lnRef>
+          <a:fillRef idx="0">
+            <a:schemeClr val="accent1"/>
+          </a:fillRef>
+          <a:effectRef idx="0">
+            <a:schemeClr val="accent1"/>
+          </a:effectRef>
+          <a:fontRef idx="minor">
+            <a:schemeClr val="tx1"/>
+          </a:fontRef>
+        </p:style>
+      </p:cxnSp>
+      <p:cxnSp>
+        <p:nvCxnSpPr>
+          <p:cNvPr id="25" name="直接连接符 24">
+            <a:extLst>
+              <a:ext uri="{FF2B5EF4-FFF2-40B4-BE49-F238E27FC236}">
+                <a16:creationId xmlns:a16="http://schemas.microsoft.com/office/drawing/2014/main" id="{E090DAA9-0C65-4095-A2B2-11C6F006F9F3}"/>
+              </a:ext>
+            </a:extLst>
+          </p:cNvPr>
+          <p:cNvCxnSpPr>
+            <a:cxnSpLocks/>
+            <a:stCxn id="10" idx="4"/>
+            <a:endCxn id="21" idx="0"/>
+          </p:cNvCxnSpPr>
+          <p:nvPr/>
+        </p:nvCxnSpPr>
+        <p:spPr>
+          <a:xfrm>
+            <a:off x="5547838" y="1709010"/>
+            <a:ext cx="0" cy="756326"/>
+          </a:xfrm>
+          <a:prstGeom prst="line">
+            <a:avLst/>
+          </a:prstGeom>
+          <a:ln w="38100"/>
+        </p:spPr>
+        <p:style>
+          <a:lnRef idx="1">
+            <a:schemeClr val="accent1"/>
+          </a:lnRef>
+          <a:fillRef idx="0">
+            <a:schemeClr val="accent1"/>
+          </a:fillRef>
+          <a:effectRef idx="0">
+            <a:schemeClr val="accent1"/>
+          </a:effectRef>
+          <a:fontRef idx="minor">
+            <a:schemeClr val="tx1"/>
+          </a:fontRef>
+        </p:style>
+      </p:cxnSp>
+      <p:cxnSp>
+        <p:nvCxnSpPr>
+          <p:cNvPr id="28" name="直接连接符 27">
+            <a:extLst>
+              <a:ext uri="{FF2B5EF4-FFF2-40B4-BE49-F238E27FC236}">
+                <a16:creationId xmlns:a16="http://schemas.microsoft.com/office/drawing/2014/main" id="{AAD56B84-F6A7-4AEE-90F9-607F2CC8FE15}"/>
+              </a:ext>
+            </a:extLst>
+          </p:cNvPr>
+          <p:cNvCxnSpPr>
+            <a:cxnSpLocks/>
+            <a:stCxn id="10" idx="5"/>
+            <a:endCxn id="5" idx="1"/>
+          </p:cNvCxnSpPr>
+          <p:nvPr/>
+        </p:nvCxnSpPr>
+        <p:spPr>
+          <a:xfrm>
+            <a:off x="5803391" y="1603157"/>
+            <a:ext cx="1172838" cy="968032"/>
+          </a:xfrm>
+          <a:prstGeom prst="line">
+            <a:avLst/>
+          </a:prstGeom>
+          <a:ln w="38100"/>
+        </p:spPr>
+        <p:style>
+          <a:lnRef idx="1">
+            <a:schemeClr val="accent1"/>
+          </a:lnRef>
+          <a:fillRef idx="0">
+            <a:schemeClr val="accent1"/>
+          </a:fillRef>
+          <a:effectRef idx="0">
+            <a:schemeClr val="accent1"/>
+          </a:effectRef>
+          <a:fontRef idx="minor">
+            <a:schemeClr val="tx1"/>
+          </a:fontRef>
+        </p:style>
+      </p:cxnSp>
+      <p:cxnSp>
+        <p:nvCxnSpPr>
+          <p:cNvPr id="31" name="直接连接符 30">
+            <a:extLst>
+              <a:ext uri="{FF2B5EF4-FFF2-40B4-BE49-F238E27FC236}">
+                <a16:creationId xmlns:a16="http://schemas.microsoft.com/office/drawing/2014/main" id="{B12C8129-39CE-452E-8DD0-BFE79D8512A2}"/>
+              </a:ext>
+            </a:extLst>
+          </p:cNvPr>
+          <p:cNvCxnSpPr>
+            <a:cxnSpLocks/>
+            <a:stCxn id="5" idx="3"/>
+            <a:endCxn id="7" idx="0"/>
+          </p:cNvCxnSpPr>
+          <p:nvPr/>
+        </p:nvCxnSpPr>
+        <p:spPr>
+          <a:xfrm flipH="1">
+            <a:off x="6508970" y="3082295"/>
+            <a:ext cx="467259" cy="666320"/>
+          </a:xfrm>
+          <a:prstGeom prst="line">
+            <a:avLst/>
+          </a:prstGeom>
+          <a:ln w="38100"/>
+        </p:spPr>
+        <p:style>
+          <a:lnRef idx="1">
+            <a:schemeClr val="accent1"/>
+          </a:lnRef>
+          <a:fillRef idx="0">
+            <a:schemeClr val="accent1"/>
+          </a:fillRef>
+          <a:effectRef idx="0">
+            <a:schemeClr val="accent1"/>
+          </a:effectRef>
+          <a:fontRef idx="minor">
+            <a:schemeClr val="tx1"/>
+          </a:fontRef>
+        </p:style>
+      </p:cxnSp>
+      <p:cxnSp>
+        <p:nvCxnSpPr>
+          <p:cNvPr id="34" name="直接连接符 33">
+            <a:extLst>
+              <a:ext uri="{FF2B5EF4-FFF2-40B4-BE49-F238E27FC236}">
+                <a16:creationId xmlns:a16="http://schemas.microsoft.com/office/drawing/2014/main" id="{F72167EB-801D-49F6-BED2-8D6AB42D17F4}"/>
+              </a:ext>
+            </a:extLst>
+          </p:cNvPr>
+          <p:cNvCxnSpPr>
+            <a:cxnSpLocks/>
+            <a:stCxn id="5" idx="5"/>
+            <a:endCxn id="8" idx="0"/>
+          </p:cNvCxnSpPr>
+          <p:nvPr/>
+        </p:nvCxnSpPr>
+        <p:spPr>
+          <a:xfrm>
+            <a:off x="7487335" y="3082295"/>
+            <a:ext cx="542877" cy="666320"/>
+          </a:xfrm>
+          <a:prstGeom prst="line">
+            <a:avLst/>
+          </a:prstGeom>
+          <a:ln w="38100"/>
+        </p:spPr>
+        <p:style>
+          <a:lnRef idx="1">
+            <a:schemeClr val="accent1"/>
+          </a:lnRef>
+          <a:fillRef idx="0">
+            <a:schemeClr val="accent1"/>
+          </a:fillRef>
+          <a:effectRef idx="0">
+            <a:schemeClr val="accent1"/>
+          </a:effectRef>
+          <a:fontRef idx="minor">
+            <a:schemeClr val="tx1"/>
+          </a:fontRef>
+        </p:style>
+      </p:cxnSp>
+      <p:sp>
+        <p:nvSpPr>
+          <p:cNvPr id="22" name="文本框 21">
+            <a:extLst>
+              <a:ext uri="{FF2B5EF4-FFF2-40B4-BE49-F238E27FC236}">
+                <a16:creationId xmlns:a16="http://schemas.microsoft.com/office/drawing/2014/main" id="{8C79BC90-2B1F-4E64-AFF0-41C2218CABEF}"/>
+              </a:ext>
+            </a:extLst>
+          </p:cNvPr>
+          <p:cNvSpPr txBox="1"/>
+          <p:nvPr/>
+        </p:nvSpPr>
+        <p:spPr>
+          <a:xfrm>
+            <a:off x="706170" y="501538"/>
+            <a:ext cx="3077707" cy="369332"/>
+          </a:xfrm>
+          <a:prstGeom prst="rect">
+            <a:avLst/>
+          </a:prstGeom>
+          <a:noFill/>
+        </p:spPr>
+        <p:txBody>
+          <a:bodyPr wrap="square" rtlCol="0">
+            <a:spAutoFit/>
+          </a:bodyPr>
+          <a:lstStyle/>
+          <a:p>
+            <a:r>
+              <a:rPr lang="zh-CN" altLang="en-US" dirty="0"/>
+              <a:t>树的深度优先搜索</a:t>
+            </a:r>
+          </a:p>
+        </p:txBody>
+      </p:sp>
+      <p:sp>
+        <p:nvSpPr>
+          <p:cNvPr id="24" name="文本框 23">
+            <a:extLst>
+              <a:ext uri="{FF2B5EF4-FFF2-40B4-BE49-F238E27FC236}">
+                <a16:creationId xmlns:a16="http://schemas.microsoft.com/office/drawing/2014/main" id="{BAFB9F2C-B5A5-4F5A-A3FE-ED1552E2616B}"/>
+              </a:ext>
+            </a:extLst>
+          </p:cNvPr>
+          <p:cNvSpPr txBox="1"/>
+          <p:nvPr/>
+        </p:nvSpPr>
+        <p:spPr>
+          <a:xfrm>
+            <a:off x="590414" y="1441536"/>
+            <a:ext cx="3751540" cy="646331"/>
+          </a:xfrm>
+          <a:prstGeom prst="rect">
+            <a:avLst/>
+          </a:prstGeom>
+          <a:noFill/>
+        </p:spPr>
+        <p:txBody>
+          <a:bodyPr wrap="square" rtlCol="0">
+            <a:spAutoFit/>
+          </a:bodyPr>
+          <a:lstStyle/>
+          <a:p>
+            <a:r>
+              <a:rPr lang="zh-CN" altLang="en-US" dirty="0"/>
+              <a:t>一颗子树一颗子树的找</a:t>
+            </a:r>
+            <a:endParaRPr lang="en-US" altLang="zh-CN" dirty="0"/>
+          </a:p>
+          <a:p>
+            <a:r>
+              <a:rPr lang="zh-CN" altLang="en-US" dirty="0"/>
+              <a:t>找到最底再从第二个子树开始找</a:t>
+            </a:r>
+          </a:p>
+        </p:txBody>
+      </p:sp>
+    </p:spTree>
+    <p:extLst>
+      <p:ext uri="{BB962C8B-B14F-4D97-AF65-F5344CB8AC3E}">
+        <p14:creationId xmlns:p14="http://schemas.microsoft.com/office/powerpoint/2010/main" val="133837742"/>
+      </p:ext>
+    </p:extLst>
+  </p:cSld>
+  <p:clrMapOvr>
+    <a:masterClrMapping/>
+  </p:clrMapOvr>
+</p:sld>
+</file>
+
+<file path=ppt/slides/slide4.xml><?xml version="1.0" encoding="utf-8"?>
+<p:sld xmlns:a="http://schemas.openxmlformats.org/drawingml/2006/main" xmlns:r="http://schemas.openxmlformats.org/officeDocument/2006/relationships" xmlns:p="http://schemas.openxmlformats.org/presentationml/2006/main">
+  <p:cSld>
+    <p:spTree>
+      <p:nvGrpSpPr>
+        <p:cNvPr id="1" name=""/>
+        <p:cNvGrpSpPr/>
+        <p:nvPr/>
+      </p:nvGrpSpPr>
+      <p:grpSpPr>
+        <a:xfrm>
+          <a:off x="0" y="0"/>
+          <a:ext cx="0" cy="0"/>
+          <a:chOff x="0" y="0"/>
+          <a:chExt cx="0" cy="0"/>
+        </a:xfrm>
+      </p:grpSpPr>
+      <p:sp>
+        <p:nvSpPr>
+          <p:cNvPr id="5" name="椭圆 4">
+            <a:extLst>
+              <a:ext uri="{FF2B5EF4-FFF2-40B4-BE49-F238E27FC236}">
+                <a16:creationId xmlns:a16="http://schemas.microsoft.com/office/drawing/2014/main" id="{BC739FC5-7537-4E4F-AF06-ECDD15A0C309}"/>
+              </a:ext>
+            </a:extLst>
+          </p:cNvPr>
+          <p:cNvSpPr/>
+          <p:nvPr/>
+        </p:nvSpPr>
+        <p:spPr>
+          <a:xfrm>
+            <a:off x="6870376" y="2465336"/>
+            <a:ext cx="722812" cy="722812"/>
+          </a:xfrm>
+          <a:prstGeom prst="ellipse">
+            <a:avLst/>
+          </a:prstGeom>
+        </p:spPr>
+        <p:style>
+          <a:lnRef idx="2">
+            <a:schemeClr val="accent1">
+              <a:shade val="50000"/>
+            </a:schemeClr>
+          </a:lnRef>
+          <a:fillRef idx="1">
+            <a:schemeClr val="accent1"/>
+          </a:fillRef>
+          <a:effectRef idx="0">
+            <a:schemeClr val="accent1"/>
+          </a:effectRef>
+          <a:fontRef idx="minor">
+            <a:schemeClr val="lt1"/>
+          </a:fontRef>
+        </p:style>
+        <p:txBody>
+          <a:bodyPr rtlCol="0" anchor="ctr"/>
+          <a:lstStyle/>
+          <a:p>
+            <a:pPr algn="ctr"/>
+            <a:r>
+              <a:rPr lang="en-US" altLang="zh-CN" b="1" dirty="0"/>
+              <a:t>B</a:t>
+            </a:r>
+            <a:endParaRPr lang="zh-CN" altLang="en-US" b="1" dirty="0"/>
+          </a:p>
+        </p:txBody>
+      </p:sp>
+      <p:sp>
+        <p:nvSpPr>
+          <p:cNvPr id="7" name="椭圆 6">
+            <a:extLst>
+              <a:ext uri="{FF2B5EF4-FFF2-40B4-BE49-F238E27FC236}">
+                <a16:creationId xmlns:a16="http://schemas.microsoft.com/office/drawing/2014/main" id="{AEA913B0-5AF1-47F6-B99F-7CAF31098451}"/>
+              </a:ext>
+            </a:extLst>
+          </p:cNvPr>
+          <p:cNvSpPr/>
+          <p:nvPr/>
+        </p:nvSpPr>
+        <p:spPr>
+          <a:xfrm>
+            <a:off x="6147564" y="3748615"/>
+            <a:ext cx="722812" cy="722812"/>
+          </a:xfrm>
+          <a:prstGeom prst="ellipse">
+            <a:avLst/>
+          </a:prstGeom>
+        </p:spPr>
+        <p:style>
+          <a:lnRef idx="2">
+            <a:schemeClr val="accent1">
+              <a:shade val="50000"/>
+            </a:schemeClr>
+          </a:lnRef>
+          <a:fillRef idx="1">
+            <a:schemeClr val="accent1"/>
+          </a:fillRef>
+          <a:effectRef idx="0">
+            <a:schemeClr val="accent1"/>
+          </a:effectRef>
+          <a:fontRef idx="minor">
+            <a:schemeClr val="lt1"/>
+          </a:fontRef>
+        </p:style>
+        <p:txBody>
+          <a:bodyPr rtlCol="0" anchor="ctr"/>
+          <a:lstStyle/>
+          <a:p>
+            <a:pPr algn="ctr"/>
+            <a:r>
+              <a:rPr lang="en-US" altLang="zh-CN" dirty="0"/>
+              <a:t>D</a:t>
+            </a:r>
+            <a:endParaRPr lang="zh-CN" altLang="en-US" dirty="0"/>
+          </a:p>
+        </p:txBody>
+      </p:sp>
+      <p:sp>
+        <p:nvSpPr>
+          <p:cNvPr id="8" name="椭圆 7">
+            <a:extLst>
+              <a:ext uri="{FF2B5EF4-FFF2-40B4-BE49-F238E27FC236}">
+                <a16:creationId xmlns:a16="http://schemas.microsoft.com/office/drawing/2014/main" id="{21D34784-F502-431F-9C16-B3AFDAB35D27}"/>
+              </a:ext>
+            </a:extLst>
+          </p:cNvPr>
+          <p:cNvSpPr/>
+          <p:nvPr/>
+        </p:nvSpPr>
+        <p:spPr>
+          <a:xfrm>
+            <a:off x="7668806" y="3748615"/>
+            <a:ext cx="722812" cy="722812"/>
+          </a:xfrm>
+          <a:prstGeom prst="ellipse">
+            <a:avLst/>
+          </a:prstGeom>
+        </p:spPr>
+        <p:style>
+          <a:lnRef idx="2">
+            <a:schemeClr val="accent1">
+              <a:shade val="50000"/>
+            </a:schemeClr>
+          </a:lnRef>
+          <a:fillRef idx="1">
+            <a:schemeClr val="accent1"/>
+          </a:fillRef>
+          <a:effectRef idx="0">
+            <a:schemeClr val="accent1"/>
+          </a:effectRef>
+          <a:fontRef idx="minor">
+            <a:schemeClr val="lt1"/>
+          </a:fontRef>
+        </p:style>
+        <p:txBody>
+          <a:bodyPr rtlCol="0" anchor="ctr"/>
+          <a:lstStyle/>
+          <a:p>
+            <a:pPr algn="ctr"/>
+            <a:r>
+              <a:rPr lang="en-US" altLang="zh-CN" dirty="0"/>
+              <a:t>E</a:t>
+            </a:r>
+            <a:endParaRPr lang="zh-CN" altLang="en-US" dirty="0"/>
+          </a:p>
+        </p:txBody>
+      </p:sp>
+      <p:sp>
+        <p:nvSpPr>
+          <p:cNvPr id="9" name="椭圆 8">
+            <a:extLst>
+              <a:ext uri="{FF2B5EF4-FFF2-40B4-BE49-F238E27FC236}">
+                <a16:creationId xmlns:a16="http://schemas.microsoft.com/office/drawing/2014/main" id="{E2AE1198-C9E2-4EF7-A21F-856493699047}"/>
+              </a:ext>
+            </a:extLst>
+          </p:cNvPr>
+          <p:cNvSpPr/>
+          <p:nvPr/>
+        </p:nvSpPr>
+        <p:spPr>
+          <a:xfrm>
+            <a:off x="3621648" y="2465336"/>
+            <a:ext cx="722812" cy="722812"/>
+          </a:xfrm>
+          <a:prstGeom prst="ellipse">
+            <a:avLst/>
+          </a:prstGeom>
+        </p:spPr>
+        <p:style>
+          <a:lnRef idx="2">
+            <a:schemeClr val="accent1">
+              <a:shade val="50000"/>
+            </a:schemeClr>
+          </a:lnRef>
+          <a:fillRef idx="1">
+            <a:schemeClr val="accent1"/>
+          </a:fillRef>
+          <a:effectRef idx="0">
+            <a:schemeClr val="accent1"/>
+          </a:effectRef>
+          <a:fontRef idx="minor">
+            <a:schemeClr val="lt1"/>
+          </a:fontRef>
+        </p:style>
+        <p:txBody>
+          <a:bodyPr rtlCol="0" anchor="ctr"/>
+          <a:lstStyle/>
+          <a:p>
+            <a:pPr algn="ctr"/>
+            <a:r>
+              <a:rPr lang="en-US" altLang="zh-CN" dirty="0"/>
+              <a:t>C</a:t>
+            </a:r>
+            <a:endParaRPr lang="zh-CN" altLang="en-US" dirty="0"/>
+          </a:p>
+        </p:txBody>
+      </p:sp>
+      <p:sp>
+        <p:nvSpPr>
+          <p:cNvPr id="10" name="椭圆 9">
+            <a:extLst>
+              <a:ext uri="{FF2B5EF4-FFF2-40B4-BE49-F238E27FC236}">
+                <a16:creationId xmlns:a16="http://schemas.microsoft.com/office/drawing/2014/main" id="{0E5998B5-4E42-4460-ADD1-D2EB0EF47293}"/>
+              </a:ext>
+            </a:extLst>
+          </p:cNvPr>
+          <p:cNvSpPr/>
+          <p:nvPr/>
+        </p:nvSpPr>
+        <p:spPr>
+          <a:xfrm>
+            <a:off x="5186432" y="986198"/>
+            <a:ext cx="722812" cy="722812"/>
+          </a:xfrm>
+          <a:prstGeom prst="ellipse">
+            <a:avLst/>
+          </a:prstGeom>
+        </p:spPr>
+        <p:style>
+          <a:lnRef idx="2">
+            <a:schemeClr val="accent1">
+              <a:shade val="50000"/>
+            </a:schemeClr>
+          </a:lnRef>
+          <a:fillRef idx="1">
+            <a:schemeClr val="accent1"/>
+          </a:fillRef>
+          <a:effectRef idx="0">
+            <a:schemeClr val="accent1"/>
+          </a:effectRef>
+          <a:fontRef idx="minor">
+            <a:schemeClr val="lt1"/>
+          </a:fontRef>
+        </p:style>
+        <p:txBody>
+          <a:bodyPr rtlCol="0" anchor="ctr"/>
+          <a:lstStyle/>
+          <a:p>
+            <a:pPr algn="ctr"/>
+            <a:r>
+              <a:rPr lang="en-US" altLang="zh-CN" dirty="0"/>
+              <a:t>A</a:t>
+            </a:r>
+            <a:endParaRPr lang="zh-CN" altLang="en-US" dirty="0"/>
+          </a:p>
+        </p:txBody>
+      </p:sp>
+      <p:sp>
+        <p:nvSpPr>
+          <p:cNvPr id="21" name="椭圆 20">
+            <a:extLst>
+              <a:ext uri="{FF2B5EF4-FFF2-40B4-BE49-F238E27FC236}">
+                <a16:creationId xmlns:a16="http://schemas.microsoft.com/office/drawing/2014/main" id="{23234D8E-5909-4E7A-8923-569F613143E1}"/>
+              </a:ext>
+            </a:extLst>
+          </p:cNvPr>
+          <p:cNvSpPr/>
+          <p:nvPr/>
+        </p:nvSpPr>
+        <p:spPr>
+          <a:xfrm>
+            <a:off x="5186432" y="2465336"/>
+            <a:ext cx="722812" cy="722812"/>
+          </a:xfrm>
+          <a:prstGeom prst="ellipse">
+            <a:avLst/>
+          </a:prstGeom>
+        </p:spPr>
+        <p:style>
+          <a:lnRef idx="2">
+            <a:schemeClr val="accent1">
+              <a:shade val="50000"/>
+            </a:schemeClr>
+          </a:lnRef>
+          <a:fillRef idx="1">
+            <a:schemeClr val="accent1"/>
+          </a:fillRef>
+          <a:effectRef idx="0">
+            <a:schemeClr val="accent1"/>
+          </a:effectRef>
+          <a:fontRef idx="minor">
+            <a:schemeClr val="lt1"/>
+          </a:fontRef>
+        </p:style>
+        <p:txBody>
+          <a:bodyPr rtlCol="0" anchor="ctr"/>
+          <a:lstStyle/>
+          <a:p>
+            <a:pPr algn="ctr"/>
+            <a:r>
+              <a:rPr lang="en-US" altLang="zh-CN" b="1" dirty="0"/>
+              <a:t>F</a:t>
+            </a:r>
+            <a:endParaRPr lang="zh-CN" altLang="en-US" b="1" dirty="0"/>
+          </a:p>
+        </p:txBody>
+      </p:sp>
+      <p:cxnSp>
+        <p:nvCxnSpPr>
+          <p:cNvPr id="3" name="直接连接符 2">
+            <a:extLst>
+              <a:ext uri="{FF2B5EF4-FFF2-40B4-BE49-F238E27FC236}">
+                <a16:creationId xmlns:a16="http://schemas.microsoft.com/office/drawing/2014/main" id="{AFCA41F1-821D-4190-9680-FF9BB2539581}"/>
+              </a:ext>
+            </a:extLst>
+          </p:cNvPr>
+          <p:cNvCxnSpPr>
+            <a:cxnSpLocks/>
+            <a:stCxn id="10" idx="3"/>
+            <a:endCxn id="9" idx="7"/>
+          </p:cNvCxnSpPr>
+          <p:nvPr/>
+        </p:nvCxnSpPr>
+        <p:spPr>
+          <a:xfrm flipH="1">
+            <a:off x="4238607" y="1603157"/>
+            <a:ext cx="1053678" cy="968032"/>
+          </a:xfrm>
+          <a:prstGeom prst="line">
+            <a:avLst/>
+          </a:prstGeom>
+          <a:ln w="38100"/>
+        </p:spPr>
+        <p:style>
+          <a:lnRef idx="1">
+            <a:schemeClr val="accent1"/>
+          </a:lnRef>
+          <a:fillRef idx="0">
+            <a:schemeClr val="accent1"/>
+          </a:fillRef>
+          <a:effectRef idx="0">
+            <a:schemeClr val="accent1"/>
+          </a:effectRef>
+          <a:fontRef idx="minor">
+            <a:schemeClr val="tx1"/>
+          </a:fontRef>
+        </p:style>
+      </p:cxnSp>
+      <p:cxnSp>
+        <p:nvCxnSpPr>
+          <p:cNvPr id="25" name="直接连接符 24">
+            <a:extLst>
+              <a:ext uri="{FF2B5EF4-FFF2-40B4-BE49-F238E27FC236}">
+                <a16:creationId xmlns:a16="http://schemas.microsoft.com/office/drawing/2014/main" id="{E090DAA9-0C65-4095-A2B2-11C6F006F9F3}"/>
+              </a:ext>
+            </a:extLst>
+          </p:cNvPr>
+          <p:cNvCxnSpPr>
+            <a:cxnSpLocks/>
+            <a:stCxn id="10" idx="4"/>
+            <a:endCxn id="21" idx="0"/>
+          </p:cNvCxnSpPr>
+          <p:nvPr/>
+        </p:nvCxnSpPr>
+        <p:spPr>
+          <a:xfrm>
+            <a:off x="5547838" y="1709010"/>
+            <a:ext cx="0" cy="756326"/>
+          </a:xfrm>
+          <a:prstGeom prst="line">
+            <a:avLst/>
+          </a:prstGeom>
+          <a:ln w="38100"/>
+        </p:spPr>
+        <p:style>
+          <a:lnRef idx="1">
+            <a:schemeClr val="accent1"/>
+          </a:lnRef>
+          <a:fillRef idx="0">
+            <a:schemeClr val="accent1"/>
+          </a:fillRef>
+          <a:effectRef idx="0">
+            <a:schemeClr val="accent1"/>
+          </a:effectRef>
+          <a:fontRef idx="minor">
+            <a:schemeClr val="tx1"/>
+          </a:fontRef>
+        </p:style>
+      </p:cxnSp>
+      <p:cxnSp>
+        <p:nvCxnSpPr>
+          <p:cNvPr id="28" name="直接连接符 27">
+            <a:extLst>
+              <a:ext uri="{FF2B5EF4-FFF2-40B4-BE49-F238E27FC236}">
+                <a16:creationId xmlns:a16="http://schemas.microsoft.com/office/drawing/2014/main" id="{AAD56B84-F6A7-4AEE-90F9-607F2CC8FE15}"/>
+              </a:ext>
+            </a:extLst>
+          </p:cNvPr>
+          <p:cNvCxnSpPr>
+            <a:cxnSpLocks/>
+            <a:stCxn id="10" idx="5"/>
+            <a:endCxn id="5" idx="1"/>
+          </p:cNvCxnSpPr>
+          <p:nvPr/>
+        </p:nvCxnSpPr>
+        <p:spPr>
+          <a:xfrm>
+            <a:off x="5803391" y="1603157"/>
+            <a:ext cx="1172838" cy="968032"/>
+          </a:xfrm>
+          <a:prstGeom prst="line">
+            <a:avLst/>
+          </a:prstGeom>
+          <a:ln w="38100"/>
+        </p:spPr>
+        <p:style>
+          <a:lnRef idx="1">
+            <a:schemeClr val="accent1"/>
+          </a:lnRef>
+          <a:fillRef idx="0">
+            <a:schemeClr val="accent1"/>
+          </a:fillRef>
+          <a:effectRef idx="0">
+            <a:schemeClr val="accent1"/>
+          </a:effectRef>
+          <a:fontRef idx="minor">
+            <a:schemeClr val="tx1"/>
+          </a:fontRef>
+        </p:style>
+      </p:cxnSp>
+      <p:cxnSp>
+        <p:nvCxnSpPr>
+          <p:cNvPr id="31" name="直接连接符 30">
+            <a:extLst>
+              <a:ext uri="{FF2B5EF4-FFF2-40B4-BE49-F238E27FC236}">
+                <a16:creationId xmlns:a16="http://schemas.microsoft.com/office/drawing/2014/main" id="{B12C8129-39CE-452E-8DD0-BFE79D8512A2}"/>
+              </a:ext>
+            </a:extLst>
+          </p:cNvPr>
+          <p:cNvCxnSpPr>
+            <a:cxnSpLocks/>
+            <a:stCxn id="5" idx="3"/>
+            <a:endCxn id="7" idx="0"/>
+          </p:cNvCxnSpPr>
+          <p:nvPr/>
+        </p:nvCxnSpPr>
+        <p:spPr>
+          <a:xfrm flipH="1">
+            <a:off x="6508970" y="3082295"/>
+            <a:ext cx="467259" cy="666320"/>
+          </a:xfrm>
+          <a:prstGeom prst="line">
+            <a:avLst/>
+          </a:prstGeom>
+          <a:ln w="38100"/>
+        </p:spPr>
+        <p:style>
+          <a:lnRef idx="1">
+            <a:schemeClr val="accent1"/>
+          </a:lnRef>
+          <a:fillRef idx="0">
+            <a:schemeClr val="accent1"/>
+          </a:fillRef>
+          <a:effectRef idx="0">
+            <a:schemeClr val="accent1"/>
+          </a:effectRef>
+          <a:fontRef idx="minor">
+            <a:schemeClr val="tx1"/>
+          </a:fontRef>
+        </p:style>
+      </p:cxnSp>
+      <p:cxnSp>
+        <p:nvCxnSpPr>
+          <p:cNvPr id="34" name="直接连接符 33">
+            <a:extLst>
+              <a:ext uri="{FF2B5EF4-FFF2-40B4-BE49-F238E27FC236}">
+                <a16:creationId xmlns:a16="http://schemas.microsoft.com/office/drawing/2014/main" id="{F72167EB-801D-49F6-BED2-8D6AB42D17F4}"/>
+              </a:ext>
+            </a:extLst>
+          </p:cNvPr>
+          <p:cNvCxnSpPr>
+            <a:cxnSpLocks/>
+            <a:stCxn id="5" idx="5"/>
+            <a:endCxn id="8" idx="0"/>
+          </p:cNvCxnSpPr>
+          <p:nvPr/>
+        </p:nvCxnSpPr>
+        <p:spPr>
+          <a:xfrm>
+            <a:off x="7487335" y="3082295"/>
+            <a:ext cx="542877" cy="666320"/>
+          </a:xfrm>
+          <a:prstGeom prst="line">
+            <a:avLst/>
+          </a:prstGeom>
+          <a:ln w="38100"/>
+        </p:spPr>
+        <p:style>
+          <a:lnRef idx="1">
+            <a:schemeClr val="accent1"/>
+          </a:lnRef>
+          <a:fillRef idx="0">
+            <a:schemeClr val="accent1"/>
+          </a:fillRef>
+          <a:effectRef idx="0">
+            <a:schemeClr val="accent1"/>
+          </a:effectRef>
+          <a:fontRef idx="minor">
+            <a:schemeClr val="tx1"/>
+          </a:fontRef>
+        </p:style>
+      </p:cxnSp>
+      <p:sp>
+        <p:nvSpPr>
+          <p:cNvPr id="22" name="文本框 21">
+            <a:extLst>
+              <a:ext uri="{FF2B5EF4-FFF2-40B4-BE49-F238E27FC236}">
+                <a16:creationId xmlns:a16="http://schemas.microsoft.com/office/drawing/2014/main" id="{8C79BC90-2B1F-4E64-AFF0-41C2218CABEF}"/>
+              </a:ext>
+            </a:extLst>
+          </p:cNvPr>
+          <p:cNvSpPr txBox="1"/>
+          <p:nvPr/>
+        </p:nvSpPr>
+        <p:spPr>
+          <a:xfrm>
+            <a:off x="706170" y="501538"/>
+            <a:ext cx="3077707" cy="369332"/>
+          </a:xfrm>
+          <a:prstGeom prst="rect">
+            <a:avLst/>
+          </a:prstGeom>
+          <a:noFill/>
+        </p:spPr>
+        <p:txBody>
+          <a:bodyPr wrap="square" rtlCol="0">
+            <a:spAutoFit/>
+          </a:bodyPr>
+          <a:lstStyle/>
+          <a:p>
+            <a:r>
+              <a:rPr lang="zh-CN" altLang="en-US" dirty="0"/>
+              <a:t>树的广度优先搜索</a:t>
+            </a:r>
+          </a:p>
+        </p:txBody>
+      </p:sp>
+      <p:sp>
+        <p:nvSpPr>
+          <p:cNvPr id="24" name="文本框 23">
+            <a:extLst>
+              <a:ext uri="{FF2B5EF4-FFF2-40B4-BE49-F238E27FC236}">
+                <a16:creationId xmlns:a16="http://schemas.microsoft.com/office/drawing/2014/main" id="{BAFB9F2C-B5A5-4F5A-A3FE-ED1552E2616B}"/>
+              </a:ext>
+            </a:extLst>
+          </p:cNvPr>
+          <p:cNvSpPr txBox="1"/>
+          <p:nvPr/>
+        </p:nvSpPr>
+        <p:spPr>
+          <a:xfrm>
+            <a:off x="590414" y="1441536"/>
+            <a:ext cx="3751540" cy="646331"/>
+          </a:xfrm>
+          <a:prstGeom prst="rect">
+            <a:avLst/>
+          </a:prstGeom>
+          <a:noFill/>
+        </p:spPr>
+        <p:txBody>
+          <a:bodyPr wrap="square" rtlCol="0">
+            <a:spAutoFit/>
+          </a:bodyPr>
+          <a:lstStyle/>
+          <a:p>
+            <a:pPr marL="0" marR="0" algn="l">
+              <a:spcBef>
+                <a:spcPts val="0"/>
+              </a:spcBef>
+              <a:spcAft>
+                <a:spcPts val="0"/>
+              </a:spcAft>
+            </a:pPr>
+            <a:r>
+              <a:rPr lang="zh-CN" altLang="en-US" dirty="0">
+                <a:solidFill>
+                  <a:srgbClr val="000000"/>
+                </a:solidFill>
+                <a:effectLst/>
+              </a:rPr>
+              <a:t>一层一层的找</a:t>
+            </a:r>
+            <a:endParaRPr lang="zh-CN" altLang="en-US" dirty="0">
+              <a:effectLst/>
+            </a:endParaRPr>
+          </a:p>
+          <a:p>
+            <a:pPr marL="0" marR="0" algn="l">
+              <a:spcBef>
+                <a:spcPts val="0"/>
+              </a:spcBef>
+              <a:spcAft>
+                <a:spcPts val="0"/>
+              </a:spcAft>
+            </a:pPr>
+            <a:r>
+              <a:rPr lang="zh-CN" altLang="en-US" dirty="0">
+                <a:solidFill>
+                  <a:srgbClr val="000000"/>
+                </a:solidFill>
+                <a:effectLst/>
+              </a:rPr>
+              <a:t>找完第一层再从第二层开始找</a:t>
+            </a:r>
+            <a:endParaRPr lang="zh-CN" altLang="en-US" dirty="0">
+              <a:effectLst/>
+            </a:endParaRPr>
+          </a:p>
+        </p:txBody>
+      </p:sp>
+    </p:spTree>
+    <p:extLst>
+      <p:ext uri="{BB962C8B-B14F-4D97-AF65-F5344CB8AC3E}">
+        <p14:creationId xmlns:p14="http://schemas.microsoft.com/office/powerpoint/2010/main" val="2901009842"/>
+      </p:ext>
+    </p:extLst>
+  </p:cSld>
+  <p:clrMapOvr>
+    <a:masterClrMapping/>
+  </p:clrMapOvr>
+</p:sld>
+</file>
+
+<file path=ppt/slides/slide5.xml><?xml version="1.0" encoding="utf-8"?>
+<p:sld xmlns:a="http://schemas.openxmlformats.org/drawingml/2006/main" xmlns:r="http://schemas.openxmlformats.org/officeDocument/2006/relationships" xmlns:p="http://schemas.openxmlformats.org/presentationml/2006/main">
+  <p:cSld>
+    <p:spTree>
+      <p:nvGrpSpPr>
+        <p:cNvPr id="1" name=""/>
+        <p:cNvGrpSpPr/>
+        <p:nvPr/>
+      </p:nvGrpSpPr>
+      <p:grpSpPr>
+        <a:xfrm>
+          <a:off x="0" y="0"/>
+          <a:ext cx="0" cy="0"/>
+          <a:chOff x="0" y="0"/>
+          <a:chExt cx="0" cy="0"/>
+        </a:xfrm>
+      </p:grpSpPr>
+      <p:sp>
+        <p:nvSpPr>
+          <p:cNvPr id="5" name="椭圆 4">
+            <a:extLst>
+              <a:ext uri="{FF2B5EF4-FFF2-40B4-BE49-F238E27FC236}">
+                <a16:creationId xmlns:a16="http://schemas.microsoft.com/office/drawing/2014/main" id="{BC739FC5-7537-4E4F-AF06-ECDD15A0C309}"/>
+              </a:ext>
+            </a:extLst>
+          </p:cNvPr>
+          <p:cNvSpPr/>
+          <p:nvPr/>
+        </p:nvSpPr>
+        <p:spPr>
+          <a:xfrm>
+            <a:off x="4825026" y="1295789"/>
+            <a:ext cx="722812" cy="722812"/>
+          </a:xfrm>
+          <a:prstGeom prst="ellipse">
+            <a:avLst/>
+          </a:prstGeom>
+        </p:spPr>
+        <p:style>
+          <a:lnRef idx="2">
+            <a:schemeClr val="accent1">
+              <a:shade val="50000"/>
+            </a:schemeClr>
+          </a:lnRef>
+          <a:fillRef idx="1">
+            <a:schemeClr val="accent1"/>
+          </a:fillRef>
+          <a:effectRef idx="0">
+            <a:schemeClr val="accent1"/>
+          </a:effectRef>
+          <a:fontRef idx="minor">
+            <a:schemeClr val="lt1"/>
+          </a:fontRef>
+        </p:style>
+        <p:txBody>
+          <a:bodyPr rtlCol="0" anchor="ctr"/>
+          <a:lstStyle/>
+          <a:p>
+            <a:pPr algn="ctr"/>
+            <a:r>
+              <a:rPr lang="en-US" altLang="zh-CN" b="1" dirty="0"/>
+              <a:t>B</a:t>
+            </a:r>
+            <a:endParaRPr lang="zh-CN" altLang="en-US" b="1" dirty="0"/>
+          </a:p>
+        </p:txBody>
+      </p:sp>
+      <p:sp>
+        <p:nvSpPr>
+          <p:cNvPr id="7" name="椭圆 6">
+            <a:extLst>
+              <a:ext uri="{FF2B5EF4-FFF2-40B4-BE49-F238E27FC236}">
+                <a16:creationId xmlns:a16="http://schemas.microsoft.com/office/drawing/2014/main" id="{AEA913B0-5AF1-47F6-B99F-7CAF31098451}"/>
+              </a:ext>
+            </a:extLst>
+          </p:cNvPr>
+          <p:cNvSpPr/>
+          <p:nvPr/>
+        </p:nvSpPr>
+        <p:spPr>
+          <a:xfrm>
+            <a:off x="7057424" y="1657195"/>
+            <a:ext cx="722812" cy="722812"/>
+          </a:xfrm>
+          <a:prstGeom prst="ellipse">
+            <a:avLst/>
+          </a:prstGeom>
+        </p:spPr>
+        <p:style>
+          <a:lnRef idx="2">
+            <a:schemeClr val="accent1">
+              <a:shade val="50000"/>
+            </a:schemeClr>
+          </a:lnRef>
+          <a:fillRef idx="1">
+            <a:schemeClr val="accent1"/>
+          </a:fillRef>
+          <a:effectRef idx="0">
+            <a:schemeClr val="accent1"/>
+          </a:effectRef>
+          <a:fontRef idx="minor">
+            <a:schemeClr val="lt1"/>
+          </a:fontRef>
+        </p:style>
+        <p:txBody>
+          <a:bodyPr rtlCol="0" anchor="ctr"/>
+          <a:lstStyle/>
+          <a:p>
+            <a:pPr algn="ctr"/>
+            <a:r>
+              <a:rPr lang="en-US" altLang="zh-CN" dirty="0"/>
+              <a:t>D</a:t>
+            </a:r>
+            <a:endParaRPr lang="zh-CN" altLang="en-US" dirty="0"/>
+          </a:p>
+        </p:txBody>
+      </p:sp>
+      <p:sp>
+        <p:nvSpPr>
+          <p:cNvPr id="8" name="椭圆 7">
+            <a:extLst>
+              <a:ext uri="{FF2B5EF4-FFF2-40B4-BE49-F238E27FC236}">
+                <a16:creationId xmlns:a16="http://schemas.microsoft.com/office/drawing/2014/main" id="{21D34784-F502-431F-9C16-B3AFDAB35D27}"/>
+              </a:ext>
+            </a:extLst>
+          </p:cNvPr>
+          <p:cNvSpPr/>
+          <p:nvPr/>
+        </p:nvSpPr>
+        <p:spPr>
+          <a:xfrm>
+            <a:off x="7886089" y="4959581"/>
+            <a:ext cx="722812" cy="722812"/>
+          </a:xfrm>
+          <a:prstGeom prst="ellipse">
+            <a:avLst/>
+          </a:prstGeom>
+        </p:spPr>
+        <p:style>
+          <a:lnRef idx="2">
+            <a:schemeClr val="accent1">
+              <a:shade val="50000"/>
+            </a:schemeClr>
+          </a:lnRef>
+          <a:fillRef idx="1">
+            <a:schemeClr val="accent1"/>
+          </a:fillRef>
+          <a:effectRef idx="0">
+            <a:schemeClr val="accent1"/>
+          </a:effectRef>
+          <a:fontRef idx="minor">
+            <a:schemeClr val="lt1"/>
+          </a:fontRef>
+        </p:style>
+        <p:txBody>
+          <a:bodyPr rtlCol="0" anchor="ctr"/>
+          <a:lstStyle/>
+          <a:p>
+            <a:pPr algn="ctr"/>
+            <a:r>
+              <a:rPr lang="en-US" altLang="zh-CN" dirty="0"/>
+              <a:t>E</a:t>
+            </a:r>
+            <a:endParaRPr lang="zh-CN" altLang="en-US" dirty="0"/>
+          </a:p>
+        </p:txBody>
+      </p:sp>
+      <p:sp>
+        <p:nvSpPr>
+          <p:cNvPr id="9" name="椭圆 8">
+            <a:extLst>
+              <a:ext uri="{FF2B5EF4-FFF2-40B4-BE49-F238E27FC236}">
+                <a16:creationId xmlns:a16="http://schemas.microsoft.com/office/drawing/2014/main" id="{E2AE1198-C9E2-4EF7-A21F-856493699047}"/>
+              </a:ext>
+            </a:extLst>
+          </p:cNvPr>
+          <p:cNvSpPr/>
+          <p:nvPr/>
+        </p:nvSpPr>
+        <p:spPr>
+          <a:xfrm>
+            <a:off x="4930879" y="5290018"/>
+            <a:ext cx="722812" cy="722812"/>
+          </a:xfrm>
+          <a:prstGeom prst="ellipse">
+            <a:avLst/>
+          </a:prstGeom>
+        </p:spPr>
+        <p:style>
+          <a:lnRef idx="2">
+            <a:schemeClr val="accent1">
+              <a:shade val="50000"/>
+            </a:schemeClr>
+          </a:lnRef>
+          <a:fillRef idx="1">
+            <a:schemeClr val="accent1"/>
+          </a:fillRef>
+          <a:effectRef idx="0">
+            <a:schemeClr val="accent1"/>
+          </a:effectRef>
+          <a:fontRef idx="minor">
+            <a:schemeClr val="lt1"/>
+          </a:fontRef>
+        </p:style>
+        <p:txBody>
+          <a:bodyPr rtlCol="0" anchor="ctr"/>
+          <a:lstStyle/>
+          <a:p>
+            <a:pPr algn="ctr"/>
+            <a:r>
+              <a:rPr lang="en-US" altLang="zh-CN" dirty="0"/>
+              <a:t>C</a:t>
+            </a:r>
+            <a:endParaRPr lang="zh-CN" altLang="en-US" dirty="0"/>
+          </a:p>
+        </p:txBody>
+      </p:sp>
+      <p:sp>
+        <p:nvSpPr>
+          <p:cNvPr id="10" name="椭圆 9">
+            <a:extLst>
+              <a:ext uri="{FF2B5EF4-FFF2-40B4-BE49-F238E27FC236}">
+                <a16:creationId xmlns:a16="http://schemas.microsoft.com/office/drawing/2014/main" id="{0E5998B5-4E42-4460-ADD1-D2EB0EF47293}"/>
+              </a:ext>
+            </a:extLst>
+          </p:cNvPr>
+          <p:cNvSpPr/>
+          <p:nvPr/>
+        </p:nvSpPr>
+        <p:spPr>
+          <a:xfrm>
+            <a:off x="2905386" y="2670918"/>
+            <a:ext cx="722812" cy="722812"/>
+          </a:xfrm>
+          <a:prstGeom prst="ellipse">
+            <a:avLst/>
+          </a:prstGeom>
+        </p:spPr>
+        <p:style>
+          <a:lnRef idx="2">
+            <a:schemeClr val="accent1">
+              <a:shade val="50000"/>
+            </a:schemeClr>
+          </a:lnRef>
+          <a:fillRef idx="1">
+            <a:schemeClr val="accent1"/>
+          </a:fillRef>
+          <a:effectRef idx="0">
+            <a:schemeClr val="accent1"/>
+          </a:effectRef>
+          <a:fontRef idx="minor">
+            <a:schemeClr val="lt1"/>
+          </a:fontRef>
+        </p:style>
+        <p:txBody>
+          <a:bodyPr rtlCol="0" anchor="ctr"/>
+          <a:lstStyle/>
+          <a:p>
+            <a:pPr algn="ctr"/>
+            <a:r>
+              <a:rPr lang="en-US" altLang="zh-CN" dirty="0"/>
+              <a:t>A</a:t>
+            </a:r>
+            <a:endParaRPr lang="zh-CN" altLang="en-US" dirty="0"/>
+          </a:p>
+        </p:txBody>
+      </p:sp>
+      <p:cxnSp>
+        <p:nvCxnSpPr>
+          <p:cNvPr id="12" name="直接连接符 11">
+            <a:extLst>
+              <a:ext uri="{FF2B5EF4-FFF2-40B4-BE49-F238E27FC236}">
+                <a16:creationId xmlns:a16="http://schemas.microsoft.com/office/drawing/2014/main" id="{9DAEBAB3-62B8-4C4F-AD31-581C8426A633}"/>
+              </a:ext>
+            </a:extLst>
+          </p:cNvPr>
+          <p:cNvCxnSpPr>
+            <a:cxnSpLocks/>
+            <a:stCxn id="5" idx="3"/>
+            <a:endCxn id="10" idx="7"/>
+          </p:cNvCxnSpPr>
+          <p:nvPr/>
+        </p:nvCxnSpPr>
+        <p:spPr>
+          <a:xfrm flipH="1">
+            <a:off x="3522345" y="1912748"/>
+            <a:ext cx="1408534" cy="864023"/>
+          </a:xfrm>
+          <a:prstGeom prst="line">
+            <a:avLst/>
+          </a:prstGeom>
+          <a:ln w="28575"/>
+        </p:spPr>
+        <p:style>
+          <a:lnRef idx="1">
+            <a:schemeClr val="accent1"/>
+          </a:lnRef>
+          <a:fillRef idx="0">
+            <a:schemeClr val="accent1"/>
+          </a:fillRef>
+          <a:effectRef idx="0">
+            <a:schemeClr val="accent1"/>
+          </a:effectRef>
+          <a:fontRef idx="minor">
+            <a:schemeClr val="tx1"/>
+          </a:fontRef>
+        </p:style>
+      </p:cxnSp>
+      <p:cxnSp>
+        <p:nvCxnSpPr>
+          <p:cNvPr id="14" name="直接连接符 13">
+            <a:extLst>
+              <a:ext uri="{FF2B5EF4-FFF2-40B4-BE49-F238E27FC236}">
+                <a16:creationId xmlns:a16="http://schemas.microsoft.com/office/drawing/2014/main" id="{1465CB55-F576-41F9-922E-F88D994260A5}"/>
+              </a:ext>
+            </a:extLst>
+          </p:cNvPr>
+          <p:cNvCxnSpPr>
+            <a:cxnSpLocks/>
+            <a:stCxn id="10" idx="4"/>
+            <a:endCxn id="9" idx="1"/>
+          </p:cNvCxnSpPr>
+          <p:nvPr/>
+        </p:nvCxnSpPr>
+        <p:spPr>
+          <a:xfrm>
+            <a:off x="3266792" y="3393730"/>
+            <a:ext cx="1769940" cy="2002141"/>
+          </a:xfrm>
+          <a:prstGeom prst="line">
+            <a:avLst/>
+          </a:prstGeom>
+          <a:ln w="28575"/>
+        </p:spPr>
+        <p:style>
+          <a:lnRef idx="1">
+            <a:schemeClr val="accent1"/>
+          </a:lnRef>
+          <a:fillRef idx="0">
+            <a:schemeClr val="accent1"/>
+          </a:fillRef>
+          <a:effectRef idx="0">
+            <a:schemeClr val="accent1"/>
+          </a:effectRef>
+          <a:fontRef idx="minor">
+            <a:schemeClr val="tx1"/>
+          </a:fontRef>
+        </p:style>
+      </p:cxnSp>
+      <p:cxnSp>
+        <p:nvCxnSpPr>
+          <p:cNvPr id="17" name="直接连接符 16">
+            <a:extLst>
+              <a:ext uri="{FF2B5EF4-FFF2-40B4-BE49-F238E27FC236}">
+                <a16:creationId xmlns:a16="http://schemas.microsoft.com/office/drawing/2014/main" id="{DAE90BD5-D8AE-428B-8AE2-B7A82011FDD6}"/>
+              </a:ext>
+            </a:extLst>
+          </p:cNvPr>
+          <p:cNvCxnSpPr>
+            <a:cxnSpLocks/>
+            <a:stCxn id="5" idx="4"/>
+            <a:endCxn id="9" idx="0"/>
+          </p:cNvCxnSpPr>
+          <p:nvPr/>
+        </p:nvCxnSpPr>
+        <p:spPr>
+          <a:xfrm>
+            <a:off x="5186432" y="2018601"/>
+            <a:ext cx="105853" cy="3271417"/>
+          </a:xfrm>
+          <a:prstGeom prst="line">
+            <a:avLst/>
+          </a:prstGeom>
+          <a:ln w="28575"/>
+        </p:spPr>
+        <p:style>
+          <a:lnRef idx="1">
+            <a:schemeClr val="accent1"/>
+          </a:lnRef>
+          <a:fillRef idx="0">
+            <a:schemeClr val="accent1"/>
+          </a:fillRef>
+          <a:effectRef idx="0">
+            <a:schemeClr val="accent1"/>
+          </a:effectRef>
+          <a:fontRef idx="minor">
+            <a:schemeClr val="tx1"/>
+          </a:fontRef>
+        </p:style>
+      </p:cxnSp>
+      <p:cxnSp>
+        <p:nvCxnSpPr>
+          <p:cNvPr id="23" name="直接连接符 22">
+            <a:extLst>
+              <a:ext uri="{FF2B5EF4-FFF2-40B4-BE49-F238E27FC236}">
+                <a16:creationId xmlns:a16="http://schemas.microsoft.com/office/drawing/2014/main" id="{5CED9F59-6E79-48AC-9F86-772D974ADA70}"/>
+              </a:ext>
+            </a:extLst>
+          </p:cNvPr>
+          <p:cNvCxnSpPr>
+            <a:cxnSpLocks/>
+            <a:stCxn id="8" idx="0"/>
+            <a:endCxn id="7" idx="4"/>
+          </p:cNvCxnSpPr>
+          <p:nvPr/>
+        </p:nvCxnSpPr>
+        <p:spPr>
+          <a:xfrm flipH="1" flipV="1">
+            <a:off x="7418830" y="2380007"/>
+            <a:ext cx="828665" cy="2579574"/>
+          </a:xfrm>
+          <a:prstGeom prst="line">
+            <a:avLst/>
+          </a:prstGeom>
+          <a:ln w="28575"/>
+        </p:spPr>
+        <p:style>
+          <a:lnRef idx="1">
+            <a:schemeClr val="accent1"/>
+          </a:lnRef>
+          <a:fillRef idx="0">
+            <a:schemeClr val="accent1"/>
+          </a:fillRef>
+          <a:effectRef idx="0">
+            <a:schemeClr val="accent1"/>
+          </a:effectRef>
+          <a:fontRef idx="minor">
+            <a:schemeClr val="tx1"/>
+          </a:fontRef>
+        </p:style>
+      </p:cxnSp>
+      <p:cxnSp>
+        <p:nvCxnSpPr>
+          <p:cNvPr id="26" name="直接连接符 25">
+            <a:extLst>
+              <a:ext uri="{FF2B5EF4-FFF2-40B4-BE49-F238E27FC236}">
+                <a16:creationId xmlns:a16="http://schemas.microsoft.com/office/drawing/2014/main" id="{B51AF569-9669-4E56-A639-3BB1255943E1}"/>
+              </a:ext>
+            </a:extLst>
+          </p:cNvPr>
+          <p:cNvCxnSpPr>
+            <a:cxnSpLocks/>
+            <a:stCxn id="7" idx="2"/>
+            <a:endCxn id="5" idx="6"/>
+          </p:cNvCxnSpPr>
+          <p:nvPr/>
+        </p:nvCxnSpPr>
+        <p:spPr>
+          <a:xfrm flipH="1" flipV="1">
+            <a:off x="5547838" y="1657195"/>
+            <a:ext cx="1509586" cy="361406"/>
+          </a:xfrm>
+          <a:prstGeom prst="line">
+            <a:avLst/>
+          </a:prstGeom>
+          <a:ln w="28575"/>
+        </p:spPr>
+        <p:style>
+          <a:lnRef idx="1">
+            <a:schemeClr val="accent1"/>
+          </a:lnRef>
+          <a:fillRef idx="0">
+            <a:schemeClr val="accent1"/>
+          </a:fillRef>
+          <a:effectRef idx="0">
+            <a:schemeClr val="accent1"/>
+          </a:effectRef>
+          <a:fontRef idx="minor">
+            <a:schemeClr val="tx1"/>
+          </a:fontRef>
+        </p:style>
+      </p:cxnSp>
+      <p:cxnSp>
+        <p:nvCxnSpPr>
+          <p:cNvPr id="40" name="直接连接符 39">
+            <a:extLst>
+              <a:ext uri="{FF2B5EF4-FFF2-40B4-BE49-F238E27FC236}">
+                <a16:creationId xmlns:a16="http://schemas.microsoft.com/office/drawing/2014/main" id="{CAEA66DB-7136-482A-82D9-A99CC39E28EE}"/>
+              </a:ext>
+            </a:extLst>
+          </p:cNvPr>
+          <p:cNvCxnSpPr>
+            <a:cxnSpLocks/>
+            <a:stCxn id="7" idx="3"/>
+            <a:endCxn id="9" idx="7"/>
+          </p:cNvCxnSpPr>
+          <p:nvPr/>
+        </p:nvCxnSpPr>
+        <p:spPr>
+          <a:xfrm flipH="1">
+            <a:off x="5547838" y="2274154"/>
+            <a:ext cx="1615439" cy="3121717"/>
+          </a:xfrm>
+          <a:prstGeom prst="line">
+            <a:avLst/>
+          </a:prstGeom>
+          <a:ln w="28575"/>
+        </p:spPr>
+        <p:style>
+          <a:lnRef idx="1">
+            <a:schemeClr val="accent1"/>
+          </a:lnRef>
+          <a:fillRef idx="0">
+            <a:schemeClr val="accent1"/>
+          </a:fillRef>
+          <a:effectRef idx="0">
+            <a:schemeClr val="accent1"/>
+          </a:effectRef>
+          <a:fontRef idx="minor">
+            <a:schemeClr val="tx1"/>
+          </a:fontRef>
+        </p:style>
+      </p:cxnSp>
+      <p:sp>
+        <p:nvSpPr>
+          <p:cNvPr id="21" name="文本框 20">
+            <a:extLst>
+              <a:ext uri="{FF2B5EF4-FFF2-40B4-BE49-F238E27FC236}">
+                <a16:creationId xmlns:a16="http://schemas.microsoft.com/office/drawing/2014/main" id="{23EF0855-F636-4732-A362-7FDB9A6D03D8}"/>
+              </a:ext>
+            </a:extLst>
+          </p:cNvPr>
+          <p:cNvSpPr txBox="1"/>
+          <p:nvPr/>
+        </p:nvSpPr>
+        <p:spPr>
+          <a:xfrm>
+            <a:off x="523879" y="354576"/>
+            <a:ext cx="3260470" cy="369332"/>
+          </a:xfrm>
+          <a:prstGeom prst="rect">
+            <a:avLst/>
+          </a:prstGeom>
+          <a:noFill/>
+        </p:spPr>
+        <p:txBody>
+          <a:bodyPr wrap="square" rtlCol="0">
+            <a:spAutoFit/>
+          </a:bodyPr>
+          <a:lstStyle/>
+          <a:p>
+            <a:r>
+              <a:rPr lang="zh-CN" altLang="en-US" dirty="0"/>
+              <a:t>图的深度与广度优先搜索</a:t>
+            </a:r>
+          </a:p>
+        </p:txBody>
+      </p:sp>
+      <p:sp>
+        <p:nvSpPr>
+          <p:cNvPr id="22" name="文本框 21">
+            <a:extLst>
+              <a:ext uri="{FF2B5EF4-FFF2-40B4-BE49-F238E27FC236}">
+                <a16:creationId xmlns:a16="http://schemas.microsoft.com/office/drawing/2014/main" id="{47718197-B495-4DBE-A1C2-E8E0A7EC593C}"/>
+              </a:ext>
+            </a:extLst>
+          </p:cNvPr>
+          <p:cNvSpPr txBox="1"/>
+          <p:nvPr/>
+        </p:nvSpPr>
+        <p:spPr>
+          <a:xfrm>
+            <a:off x="681987" y="1355646"/>
+            <a:ext cx="3260470" cy="369332"/>
+          </a:xfrm>
+          <a:prstGeom prst="rect">
+            <a:avLst/>
+          </a:prstGeom>
+          <a:noFill/>
+        </p:spPr>
+        <p:txBody>
+          <a:bodyPr wrap="square" rtlCol="0">
+            <a:spAutoFit/>
+          </a:bodyPr>
+          <a:lstStyle/>
+          <a:p>
+            <a:r>
+              <a:rPr lang="zh-CN" altLang="en-US" dirty="0"/>
+              <a:t>找过的节点不再二次去找</a:t>
+            </a:r>
+          </a:p>
+        </p:txBody>
+      </p:sp>
+    </p:spTree>
+    <p:extLst>
+      <p:ext uri="{BB962C8B-B14F-4D97-AF65-F5344CB8AC3E}">
+        <p14:creationId xmlns:p14="http://schemas.microsoft.com/office/powerpoint/2010/main" val="2014516371"/>
+      </p:ext>
+    </p:extLst>
+  </p:cSld>
+  <p:clrMapOvr>
+    <a:masterClrMapping/>
+  </p:clrMapOvr>
+</p:sld>
+</file>
+
 <file path=ppt/theme/theme1.xml><?xml version="1.0" encoding="utf-8"?>
 <a:theme xmlns:a="http://schemas.openxmlformats.org/drawingml/2006/main" name="Office 主题​​">
   <a:themeElements>
